--- a/ML_AKOUMI HOUDA.pptx
+++ b/ML_AKOUMI HOUDA.pptx
@@ -11,12 +11,12 @@
     <p:sldId id="256" r:id="rId2"/>
     <p:sldId id="258" r:id="rId3"/>
     <p:sldId id="259" r:id="rId4"/>
-    <p:sldId id="260" r:id="rId5"/>
-    <p:sldId id="261" r:id="rId6"/>
+    <p:sldId id="261" r:id="rId5"/>
+    <p:sldId id="260" r:id="rId6"/>
     <p:sldId id="262" r:id="rId7"/>
-    <p:sldId id="263" r:id="rId8"/>
-    <p:sldId id="266" r:id="rId9"/>
-    <p:sldId id="267" r:id="rId10"/>
+    <p:sldId id="269" r:id="rId8"/>
+    <p:sldId id="270" r:id="rId9"/>
+    <p:sldId id="271" r:id="rId10"/>
     <p:sldId id="268" r:id="rId11"/>
   </p:sldIdLst>
   <p:sldSz cx="12192000" cy="6858000"/>
@@ -206,7 +206,7 @@
           <a:p>
             <a:fld id="{47BF9C12-12B2-43AB-A7A7-A8041A85E094}" type="datetimeFigureOut">
               <a:rPr lang="en-US" smtClean="0"/>
-              <a:t>11/30/2021</a:t>
+              <a:t>12/20/2021</a:t>
             </a:fld>
             <a:endParaRPr lang="en-US"/>
           </a:p>
@@ -700,7 +700,7 @@
           <a:p>
             <a:fld id="{2EA9D83A-F3E5-4557-99E0-7C9615D7B8B4}" type="datetime1">
               <a:rPr lang="en-US" smtClean="0"/>
-              <a:t>11/30/2021</a:t>
+              <a:t>12/20/2021</a:t>
             </a:fld>
             <a:endParaRPr lang="en-US"/>
           </a:p>
@@ -908,7 +908,7 @@
           <a:p>
             <a:fld id="{9392BD49-9FEA-46A6-BA1F-359614B71986}" type="datetime1">
               <a:rPr lang="en-US" smtClean="0"/>
-              <a:t>11/30/2021</a:t>
+              <a:t>12/20/2021</a:t>
             </a:fld>
             <a:endParaRPr lang="en-US"/>
           </a:p>
@@ -1164,7 +1164,7 @@
           <a:p>
             <a:fld id="{00449264-F611-4297-929D-BEEFD603187B}" type="datetime1">
               <a:rPr lang="en-US" smtClean="0"/>
-              <a:t>11/30/2021</a:t>
+              <a:t>12/20/2021</a:t>
             </a:fld>
             <a:endParaRPr lang="en-US"/>
           </a:p>
@@ -1334,7 +1334,7 @@
           <a:p>
             <a:fld id="{C4E1F6F4-AFAA-4572-9DE6-7EAFC6D38853}" type="datetime1">
               <a:rPr lang="en-US" smtClean="0"/>
-              <a:t>11/30/2021</a:t>
+              <a:t>12/20/2021</a:t>
             </a:fld>
             <a:endParaRPr lang="en-US"/>
           </a:p>
@@ -1677,7 +1677,7 @@
           <a:p>
             <a:fld id="{CAB8CF80-077E-4282-8DB9-52D38B800665}" type="datetime1">
               <a:rPr lang="en-US" smtClean="0"/>
-              <a:t>11/30/2021</a:t>
+              <a:t>12/20/2021</a:t>
             </a:fld>
             <a:endParaRPr lang="en-US"/>
           </a:p>
@@ -1952,7 +1952,7 @@
           <a:p>
             <a:fld id="{EBA97E57-85C3-48BC-A979-413857F907A8}" type="datetime1">
               <a:rPr lang="en-US" smtClean="0"/>
-              <a:t>11/30/2021</a:t>
+              <a:t>12/20/2021</a:t>
             </a:fld>
             <a:endParaRPr lang="en-US"/>
           </a:p>
@@ -2331,7 +2331,7 @@
           <a:p>
             <a:fld id="{985EFA1A-B0D6-4069-BF35-E5A39D4821E4}" type="datetime1">
               <a:rPr lang="en-US" smtClean="0"/>
-              <a:t>11/30/2021</a:t>
+              <a:t>12/20/2021</a:t>
             </a:fld>
             <a:endParaRPr lang="en-US"/>
           </a:p>
@@ -2449,7 +2449,7 @@
           <a:p>
             <a:fld id="{64BC06B4-F04F-4A86-8F38-23B28072BCB4}" type="datetime1">
               <a:rPr lang="en-US" smtClean="0"/>
-              <a:t>11/30/2021</a:t>
+              <a:t>12/20/2021</a:t>
             </a:fld>
             <a:endParaRPr lang="en-US"/>
           </a:p>
@@ -2620,7 +2620,7 @@
           <a:p>
             <a:fld id="{9FDCF208-5CF6-4EAE-B6F6-9E732E783EA5}" type="datetime1">
               <a:rPr lang="en-US" smtClean="0"/>
-              <a:t>11/30/2021</a:t>
+              <a:t>12/20/2021</a:t>
             </a:fld>
             <a:endParaRPr lang="en-US"/>
           </a:p>
@@ -2974,7 +2974,7 @@
           <a:p>
             <a:fld id="{A44434B4-E9F1-4C99-B1D8-0B9A89A8ACCB}" type="datetime1">
               <a:rPr lang="en-US" smtClean="0"/>
-              <a:t>11/30/2021</a:t>
+              <a:t>12/20/2021</a:t>
             </a:fld>
             <a:endParaRPr lang="en-US"/>
           </a:p>
@@ -3351,7 +3351,7 @@
           <a:p>
             <a:fld id="{FDB80F08-C652-41A3-B8C7-7A4E05FE1899}" type="datetime1">
               <a:rPr lang="en-US" smtClean="0"/>
-              <a:t>11/30/2021</a:t>
+              <a:t>12/20/2021</a:t>
             </a:fld>
             <a:endParaRPr lang="en-US"/>
           </a:p>
@@ -3638,7 +3638,7 @@
           <a:p>
             <a:fld id="{A9DE6546-BC2E-4259-AADC-4C540AAD6474}" type="datetime1">
               <a:rPr lang="en-US" smtClean="0"/>
-              <a:t>11/30/2021</a:t>
+              <a:t>12/20/2021</a:t>
             </a:fld>
             <a:endParaRPr lang="en-US"/>
           </a:p>
@@ -4253,13 +4253,13 @@
         </p:nvSpPr>
         <p:spPr>
           <a:xfrm>
-            <a:off x="1110442" y="4642657"/>
-            <a:ext cx="10058400" cy="926869"/>
+            <a:off x="1110441" y="4642657"/>
+            <a:ext cx="10404225" cy="926869"/>
           </a:xfrm>
         </p:spPr>
         <p:txBody>
           <a:bodyPr>
-            <a:normAutofit fontScale="92500"/>
+            <a:normAutofit lnSpcReduction="10000"/>
           </a:bodyPr>
           <a:lstStyle/>
           <a:p>
@@ -4283,27 +4283,17 @@
                   <a:schemeClr val="tx1"/>
                 </a:solidFill>
               </a:rPr>
-              <a:t>			  </a:t>
-            </a:r>
-            <a:r>
-              <a:rPr lang="fr-FR" b="1" dirty="0">
+              <a:t>			</a:t>
+            </a:r>
+            <a:r>
+              <a:rPr lang="fr-FR" b="1" dirty="0" smtClean="0">
                 <a:solidFill>
                   <a:schemeClr val="accent1">
                     <a:lumMod val="75000"/>
                   </a:schemeClr>
                 </a:solidFill>
               </a:rPr>
-              <a:t>encadré </a:t>
-            </a:r>
-            <a:r>
-              <a:rPr lang="fr-FR" b="1" dirty="0" smtClean="0">
-                <a:solidFill>
-                  <a:schemeClr val="accent1">
-                    <a:lumMod val="75000"/>
-                  </a:schemeClr>
-                </a:solidFill>
-              </a:rPr>
-              <a:t>par:  </a:t>
+              <a:t>encadré par:  </a:t>
             </a:r>
             <a:r>
               <a:rPr lang="fr-FR" dirty="0" smtClean="0"/>
@@ -4317,11 +4307,11 @@
             </a:r>
             <a:r>
               <a:rPr lang="fr-FR" b="1" dirty="0" smtClean="0"/>
-              <a:t>      AKOUMI HOUDA </a:t>
-            </a:r>
-            <a:r>
-              <a:rPr lang="fr-FR" b="1" dirty="0" smtClean="0"/>
-              <a:t>                </a:t>
+              <a:t>      AKOUMI HOUDA                 Pr</a:t>
+            </a:r>
+            <a:r>
+              <a:rPr lang="fr-FR" dirty="0" smtClean="0"/>
+              <a:t>. </a:t>
             </a:r>
             <a:r>
               <a:rPr lang="en-US" b="1" dirty="0" smtClean="0"/>
@@ -4518,7 +4508,7 @@
         </p:nvSpPr>
         <p:spPr>
           <a:xfrm>
-            <a:off x="1097280" y="1"/>
+            <a:off x="1097280" y="-16933"/>
             <a:ext cx="10058400" cy="1310640"/>
           </a:xfrm>
         </p:spPr>
@@ -4548,14 +4538,19 @@
             <p:ph idx="1"/>
           </p:nvPr>
         </p:nvSpPr>
-        <p:spPr/>
+        <p:spPr>
+          <a:xfrm>
+            <a:off x="1097280" y="2514599"/>
+            <a:ext cx="10058400" cy="3092027"/>
+          </a:xfrm>
+        </p:spPr>
         <p:txBody>
           <a:bodyPr/>
           <a:lstStyle/>
           <a:p>
             <a:pPr>
               <a:buFont typeface="Wingdings" panose="05000000000000000000" pitchFamily="2" charset="2"/>
-              <a:buChar char="Ø"/>
+              <a:buChar char="q"/>
             </a:pPr>
             <a:r>
               <a:rPr lang="en-US" sz="2400" dirty="0" smtClean="0"/>
@@ -4609,11 +4604,15 @@
           <a:p>
             <a:pPr>
               <a:buFont typeface="Wingdings" panose="05000000000000000000" pitchFamily="2" charset="2"/>
-              <a:buChar char="Ø"/>
+              <a:buChar char="q"/>
             </a:pPr>
             <a:r>
+              <a:rPr lang="en-US" dirty="0" smtClean="0"/>
+              <a:t> Support </a:t>
+            </a:r>
+            <a:r>
               <a:rPr lang="en-US" dirty="0"/>
-              <a:t>Support Vector Machines : Theory and Applications by </a:t>
+              <a:t>Vector Machines : Theory and Applications by </a:t>
             </a:r>
             <a:r>
               <a:rPr lang="en-US" dirty="0" err="1"/>
@@ -4663,19 +4662,31 @@
           <a:p>
             <a:pPr>
               <a:buFont typeface="Wingdings" panose="05000000000000000000" pitchFamily="2" charset="2"/>
-              <a:buChar char="Ø"/>
+              <a:buChar char="q"/>
             </a:pPr>
             <a:r>
-              <a:rPr lang="en-US" sz="2400" dirty="0" err="1">
+              <a:rPr lang="en-US" sz="2400" dirty="0" smtClean="0">
+                <a:hlinkClick r:id="rId2"/>
+              </a:rPr>
+              <a:t> </a:t>
+            </a:r>
+            <a:r>
+              <a:rPr lang="en-US" sz="2400" dirty="0" err="1" smtClean="0">
                 <a:hlinkClick r:id="rId2"/>
               </a:rPr>
               <a:t>sklearn.svm.SVC</a:t>
             </a:r>
             <a:r>
+              <a:rPr lang="en-US" sz="2400" dirty="0" smtClean="0">
+                <a:hlinkClick r:id="rId2"/>
+              </a:rPr>
+              <a:t> </a:t>
+            </a:r>
+            <a:r>
               <a:rPr lang="en-US" sz="2400" dirty="0">
                 <a:hlinkClick r:id="rId2"/>
               </a:rPr>
-              <a:t> — </a:t>
+              <a:t>— </a:t>
             </a:r>
             <a:r>
               <a:rPr lang="en-US" sz="2400" dirty="0" err="1">
@@ -4687,7 +4698,32 @@
               <a:rPr lang="en-US" sz="2400" dirty="0">
                 <a:hlinkClick r:id="rId2"/>
               </a:rPr>
-              <a:t>-learn 1.0.1 documentation</a:t>
+              <a:t>-learn 1.0.1 </a:t>
+            </a:r>
+            <a:r>
+              <a:rPr lang="en-US" sz="2400" dirty="0" smtClean="0">
+                <a:hlinkClick r:id="rId2"/>
+              </a:rPr>
+              <a:t>documentation</a:t>
+            </a:r>
+            <a:endParaRPr lang="en-US" sz="2400" dirty="0" smtClean="0"/>
+          </a:p>
+          <a:p>
+            <a:pPr>
+              <a:buFont typeface="Wingdings" panose="05000000000000000000" pitchFamily="2" charset="2"/>
+              <a:buChar char="q"/>
+            </a:pPr>
+            <a:r>
+              <a:rPr lang="fr-FR" sz="2400" dirty="0" smtClean="0">
+                <a:hlinkClick r:id="rId3"/>
+              </a:rPr>
+              <a:t> Analyse </a:t>
+            </a:r>
+            <a:r>
+              <a:rPr lang="fr-FR" sz="2400" dirty="0">
+                <a:hlinkClick r:id="rId3"/>
+              </a:rPr>
+              <a:t>en composants principaux du noyau (KPCA) (opengenus.org)</a:t>
             </a:r>
             <a:endParaRPr lang="en-US" sz="2400" dirty="0"/>
           </a:p>
@@ -4775,12 +4811,7 @@
             <p:ph type="title"/>
           </p:nvPr>
         </p:nvSpPr>
-        <p:spPr>
-          <a:xfrm>
-            <a:off x="1097280" y="286603"/>
-            <a:ext cx="10058400" cy="1237013"/>
-          </a:xfrm>
-        </p:spPr>
+        <p:spPr/>
         <p:txBody>
           <a:bodyPr/>
           <a:lstStyle/>
@@ -4816,255 +4847,40 @@
             <a:spLocks noGrp="1"/>
           </p:cNvSpPr>
           <p:nvPr>
-            <p:ph idx="1"/>
+            <p:ph sz="half" idx="1"/>
           </p:nvPr>
         </p:nvSpPr>
         <p:spPr/>
         <p:txBody>
           <a:bodyPr>
-            <a:normAutofit lnSpcReduction="10000"/>
+            <a:normAutofit/>
           </a:bodyPr>
           <a:lstStyle/>
-          <a:p>
-            <a:r>
-              <a:rPr lang="en-US" sz="2800" b="1" dirty="0" err="1">
-                <a:solidFill>
-                  <a:schemeClr val="tx1"/>
-                </a:solidFill>
-              </a:rPr>
-              <a:t>Qu'est-ce</a:t>
-            </a:r>
-            <a:r>
-              <a:rPr lang="en-US" sz="2800" b="1" dirty="0">
-                <a:solidFill>
-                  <a:schemeClr val="tx1"/>
-                </a:solidFill>
-              </a:rPr>
-              <a:t> que </a:t>
-            </a:r>
-            <a:r>
-              <a:rPr lang="en-US" sz="2800" b="1" dirty="0" smtClean="0">
-                <a:solidFill>
-                  <a:schemeClr val="tx1"/>
-                </a:solidFill>
-              </a:rPr>
-              <a:t>SVM</a:t>
-            </a:r>
-            <a:r>
-              <a:rPr lang="en-US" sz="2800" b="1" dirty="0">
-                <a:solidFill>
-                  <a:schemeClr val="tx1"/>
-                </a:solidFill>
-              </a:rPr>
-              <a:t>?</a:t>
-            </a:r>
-            <a:endParaRPr lang="fr-FR" sz="2800" b="1" dirty="0" smtClean="0">
-              <a:solidFill>
-                <a:schemeClr val="tx1"/>
-              </a:solidFill>
-            </a:endParaRPr>
-          </a:p>
           <a:p>
             <a:pPr>
               <a:buFont typeface="Wingdings" panose="05000000000000000000" pitchFamily="2" charset="2"/>
-              <a:buChar char="Ø"/>
+              <a:buChar char="q"/>
             </a:pPr>
             <a:r>
-              <a:rPr lang="fr-FR" dirty="0" smtClean="0">
-                <a:solidFill>
-                  <a:schemeClr val="tx1"/>
-                </a:solidFill>
-              </a:rPr>
-              <a:t>  Support </a:t>
-            </a:r>
-            <a:r>
-              <a:rPr lang="fr-FR" dirty="0" err="1">
-                <a:solidFill>
-                  <a:schemeClr val="tx1"/>
-                </a:solidFill>
-              </a:rPr>
-              <a:t>Vector</a:t>
-            </a:r>
-            <a:r>
-              <a:rPr lang="fr-FR" dirty="0">
-                <a:solidFill>
-                  <a:schemeClr val="tx1"/>
-                </a:solidFill>
-              </a:rPr>
-              <a:t> Machine (SVM) </a:t>
+              <a:rPr lang="en-US" sz="2400" dirty="0"/>
+              <a:t> </a:t>
+            </a:r>
+            <a:r>
+              <a:rPr lang="fr-FR" dirty="0" smtClean="0"/>
+              <a:t>Supposons </a:t>
             </a:r>
             <a:r>
               <a:rPr lang="fr-FR" dirty="0"/>
-              <a:t>est un algorithme d'apprentissage automatique </a:t>
-            </a:r>
-            <a:r>
-              <a:rPr lang="fr-FR" dirty="0" smtClean="0"/>
-              <a:t>sup</a:t>
-            </a:r>
-          </a:p>
-          <a:p>
-            <a:r>
-              <a:rPr lang="en-US" sz="2800" b="1" dirty="0" smtClean="0">
-                <a:solidFill>
-                  <a:schemeClr val="tx1"/>
-                </a:solidFill>
-              </a:rPr>
-              <a:t>Comment </a:t>
-            </a:r>
-            <a:r>
-              <a:rPr lang="en-US" sz="2800" b="1" dirty="0" err="1">
-                <a:solidFill>
-                  <a:schemeClr val="tx1"/>
-                </a:solidFill>
-              </a:rPr>
-              <a:t>fonctionne</a:t>
-            </a:r>
-            <a:r>
-              <a:rPr lang="en-US" sz="2800" b="1" dirty="0">
-                <a:solidFill>
-                  <a:schemeClr val="tx1"/>
-                </a:solidFill>
-              </a:rPr>
-              <a:t> SVM</a:t>
-            </a:r>
-            <a:r>
-              <a:rPr lang="en-US" sz="2800" b="1" dirty="0" smtClean="0">
-                <a:solidFill>
-                  <a:schemeClr val="tx1"/>
-                </a:solidFill>
-              </a:rPr>
-              <a:t>?</a:t>
-            </a:r>
-          </a:p>
-          <a:p>
-            <a:r>
-              <a:rPr lang="fr-FR" dirty="0" smtClean="0"/>
-              <a:t>Imaginons </a:t>
+              <a:t>que nous ayons un jeu de données contenant 2 types d’observations : les “+” et les “-”. Notre objectif est de pouvoir </a:t>
+            </a:r>
+            <a:r>
+              <a:rPr lang="fr-FR" b="1" dirty="0"/>
+              <a:t>prédire la classe</a:t>
             </a:r>
             <a:r>
               <a:rPr lang="fr-FR" dirty="0"/>
-              <a:t>que nous ayons deux balises: </a:t>
-            </a:r>
-            <a:r>
-              <a:rPr lang="fr-FR" i="1" dirty="0"/>
-              <a:t>rouge</a:t>
-            </a:r>
-            <a:r>
-              <a:rPr lang="fr-FR" dirty="0"/>
-              <a:t> et </a:t>
-            </a:r>
-            <a:r>
-              <a:rPr lang="fr-FR" i="1" dirty="0"/>
-              <a:t>bleue</a:t>
-            </a:r>
-            <a:r>
-              <a:rPr lang="fr-FR" dirty="0"/>
-              <a:t> , et nos données ont deux caractéristiques: </a:t>
-            </a:r>
-            <a:r>
-              <a:rPr lang="fr-FR" i="1" dirty="0"/>
-              <a:t>x</a:t>
-            </a:r>
-            <a:r>
-              <a:rPr lang="fr-FR" dirty="0"/>
-              <a:t> et </a:t>
-            </a:r>
-            <a:r>
-              <a:rPr lang="fr-FR" i="1" dirty="0"/>
-              <a:t>y</a:t>
-            </a:r>
-            <a:r>
-              <a:rPr lang="fr-FR" dirty="0"/>
-              <a:t> . Nous voulons un classificateur qui, étant donné une paire de </a:t>
-            </a:r>
-            <a:r>
-              <a:rPr lang="fr-FR" i="1" dirty="0"/>
-              <a:t>coordonnées (x, y)</a:t>
-            </a:r>
-            <a:r>
-              <a:rPr lang="fr-FR" dirty="0"/>
-              <a:t> , </a:t>
-            </a:r>
-            <a:r>
-              <a:rPr lang="fr-FR" i="1" dirty="0"/>
-              <a:t>affiche</a:t>
-            </a:r>
-            <a:r>
-              <a:rPr lang="fr-FR" dirty="0"/>
-              <a:t> si elle est </a:t>
-            </a:r>
-            <a:r>
-              <a:rPr lang="fr-FR" i="1" dirty="0"/>
-              <a:t>rouge _ ou _</a:t>
-            </a:r>
-            <a:r>
-              <a:rPr lang="fr-FR" i="1" dirty="0" err="1"/>
-              <a:t>blue</a:t>
-            </a:r>
-            <a:r>
-              <a:rPr lang="fr-FR" dirty="0"/>
-              <a:t> </a:t>
-            </a:r>
-            <a:endParaRPr lang="en-US" sz="2400" b="1" dirty="0" smtClean="0">
-              <a:solidFill>
-                <a:schemeClr val="tx1"/>
-              </a:solidFill>
-            </a:endParaRPr>
-          </a:p>
-          <a:p>
-            <a:r>
-              <a:rPr lang="fr-FR" sz="2400" b="1" dirty="0" smtClean="0">
-                <a:solidFill>
-                  <a:srgbClr val="FF0000"/>
-                </a:solidFill>
-              </a:rPr>
-              <a:t>1) </a:t>
-            </a:r>
-            <a:r>
-              <a:rPr lang="en-US" sz="2400" b="1" dirty="0" err="1">
-                <a:solidFill>
-                  <a:srgbClr val="FF0000"/>
-                </a:solidFill>
-              </a:rPr>
-              <a:t>Données</a:t>
-            </a:r>
-            <a:r>
-              <a:rPr lang="en-US" sz="2400" b="1" dirty="0">
-                <a:solidFill>
-                  <a:srgbClr val="FF0000"/>
-                </a:solidFill>
-              </a:rPr>
-              <a:t> </a:t>
-            </a:r>
-            <a:r>
-              <a:rPr lang="en-US" sz="2400" b="1" dirty="0" err="1" smtClean="0">
-                <a:solidFill>
-                  <a:srgbClr val="FF0000"/>
-                </a:solidFill>
-              </a:rPr>
-              <a:t>linéaires</a:t>
-            </a:r>
-            <a:endParaRPr lang="en-US" sz="2400" b="1" dirty="0">
-              <a:solidFill>
-                <a:srgbClr val="FF0000"/>
-              </a:solidFill>
-            </a:endParaRPr>
-          </a:p>
-          <a:p>
-            <a:endParaRPr lang="en-US" b="1" dirty="0">
-              <a:solidFill>
-                <a:schemeClr val="tx2"/>
-              </a:solidFill>
-            </a:endParaRPr>
-          </a:p>
-          <a:p>
-            <a:r>
-              <a:rPr lang="en-US" sz="2400" dirty="0"/>
-              <a:t/>
-            </a:r>
-            <a:br>
-              <a:rPr lang="en-US" sz="2400" dirty="0"/>
-            </a:br>
+              <a:t> (“+” ou “-”) d’une nouvelle observation,</a:t>
+            </a:r>
             <a:endParaRPr lang="en-US" sz="2400" b="1" dirty="0">
               <a:solidFill>
                 <a:schemeClr val="tx2"/>
@@ -5075,14 +4891,16 @@
       </p:sp>
       <p:pic>
         <p:nvPicPr>
-          <p:cNvPr id="10" name="Image 9"/>
+          <p:cNvPr id="6" name="Espace réservé du contenu 5"/>
           <p:cNvPicPr>
-            <a:picLocks noChangeAspect="1"/>
+            <a:picLocks noGrp="1" noChangeAspect="1"/>
           </p:cNvPicPr>
-          <p:nvPr/>
+          <p:nvPr>
+            <p:ph sz="half" idx="2"/>
+          </p:nvPr>
         </p:nvPicPr>
         <p:blipFill>
-          <a:blip r:embed="rId2" cstate="print">
+          <a:blip r:embed="rId2">
             <a:extLst>
               <a:ext uri="{28A0092B-C50C-407E-A947-70E740481C1C}">
                 <a14:useLocalDpi xmlns:a14="http://schemas.microsoft.com/office/drawing/2010/main" val="0"/>
@@ -5095,12 +4913,9 @@
         </p:blipFill>
         <p:spPr>
           <a:xfrm>
-            <a:off x="7928262" y="4187537"/>
-            <a:ext cx="3549535" cy="1920548"/>
-          </a:xfrm>
-          <a:prstGeom prst="rect">
-            <a:avLst/>
-          </a:prstGeom>
+            <a:off x="1705425" y="3472127"/>
+            <a:ext cx="3152468" cy="2311810"/>
+          </a:xfrm>
         </p:spPr>
       </p:pic>
       <p:sp>
@@ -5142,6 +4957,169 @@
               <a:t>2</a:t>
             </a:fld>
             <a:endParaRPr lang="en-US"/>
+          </a:p>
+        </p:txBody>
+      </p:sp>
+      <p:pic>
+        <p:nvPicPr>
+          <p:cNvPr id="9" name="Image 8"/>
+          <p:cNvPicPr>
+            <a:picLocks noChangeAspect="1"/>
+          </p:cNvPicPr>
+          <p:nvPr/>
+        </p:nvPicPr>
+        <p:blipFill>
+          <a:blip r:embed="rId3">
+            <a:extLst>
+              <a:ext uri="{28A0092B-C50C-407E-A947-70E740481C1C}">
+                <a14:useLocalDpi xmlns:a14="http://schemas.microsoft.com/office/drawing/2010/main" val="0"/>
+              </a:ext>
+            </a:extLst>
+          </a:blip>
+          <a:stretch>
+            <a:fillRect/>
+          </a:stretch>
+        </p:blipFill>
+        <p:spPr>
+          <a:xfrm>
+            <a:off x="7266460" y="1890704"/>
+            <a:ext cx="3755079" cy="2849157"/>
+          </a:xfrm>
+          <a:prstGeom prst="rect">
+            <a:avLst/>
+          </a:prstGeom>
+        </p:spPr>
+      </p:pic>
+      <p:sp>
+        <p:nvSpPr>
+          <p:cNvPr id="11" name="Rectangle 10"/>
+          <p:cNvSpPr/>
+          <p:nvPr/>
+        </p:nvSpPr>
+        <p:spPr>
+          <a:xfrm>
+            <a:off x="6035038" y="5404662"/>
+            <a:ext cx="6096000" cy="923330"/>
+          </a:xfrm>
+          <a:prstGeom prst="rect">
+            <a:avLst/>
+          </a:prstGeom>
+        </p:spPr>
+        <p:txBody>
+          <a:bodyPr>
+            <a:spAutoFit/>
+          </a:bodyPr>
+          <a:lstStyle/>
+          <a:p>
+            <a:r>
+              <a:rPr lang="fr-FR" b="1" i="1" dirty="0" smtClean="0">
+                <a:solidFill>
+                  <a:srgbClr val="FF0000"/>
+                </a:solidFill>
+                <a:latin typeface="Metropolis"/>
+              </a:rPr>
+              <a:t>Rappel : </a:t>
+            </a:r>
+            <a:r>
+              <a:rPr lang="fr-FR" i="1" dirty="0" smtClean="0">
+                <a:solidFill>
+                  <a:srgbClr val="000000"/>
+                </a:solidFill>
+                <a:latin typeface="Metropolis"/>
+              </a:rPr>
+              <a:t>En </a:t>
+            </a:r>
+            <a:r>
+              <a:rPr lang="fr-FR" i="1" dirty="0">
+                <a:solidFill>
+                  <a:srgbClr val="000000"/>
+                </a:solidFill>
+                <a:latin typeface="Metropolis"/>
+              </a:rPr>
+              <a:t>mathématiques, la distance qui sépare une droite de l’observation la plus proche est appelée </a:t>
+            </a:r>
+            <a:r>
+              <a:rPr lang="fr-FR" b="1" i="1" dirty="0">
+                <a:solidFill>
+                  <a:srgbClr val="6E4CEB"/>
+                </a:solidFill>
+                <a:latin typeface="inherit"/>
+              </a:rPr>
+              <a:t>la marge</a:t>
+            </a:r>
+            <a:r>
+              <a:rPr lang="fr-FR" i="1" dirty="0">
+                <a:solidFill>
+                  <a:srgbClr val="6E4CEB"/>
+                </a:solidFill>
+                <a:latin typeface="inherit"/>
+              </a:rPr>
+              <a:t>.</a:t>
+            </a:r>
+            <a:endParaRPr lang="en-US" dirty="0"/>
+          </a:p>
+        </p:txBody>
+      </p:sp>
+      <p:sp>
+        <p:nvSpPr>
+          <p:cNvPr id="12" name="ZoneTexte 11"/>
+          <p:cNvSpPr txBox="1"/>
+          <p:nvPr/>
+        </p:nvSpPr>
+        <p:spPr>
+          <a:xfrm>
+            <a:off x="2680526" y="5922436"/>
+            <a:ext cx="1202266" cy="369332"/>
+          </a:xfrm>
+          <a:prstGeom prst="rect">
+            <a:avLst/>
+          </a:prstGeom>
+          <a:noFill/>
+        </p:spPr>
+        <p:txBody>
+          <a:bodyPr wrap="square" rtlCol="0">
+            <a:spAutoFit/>
+          </a:bodyPr>
+          <a:lstStyle/>
+          <a:p>
+            <a:r>
+              <a:rPr lang="fr-FR" dirty="0" smtClean="0"/>
+              <a:t>Figure 1 </a:t>
+            </a:r>
+            <a:endParaRPr lang="en-US" dirty="0"/>
+          </a:p>
+        </p:txBody>
+      </p:sp>
+      <p:sp>
+        <p:nvSpPr>
+          <p:cNvPr id="13" name="ZoneTexte 12"/>
+          <p:cNvSpPr txBox="1"/>
+          <p:nvPr/>
+        </p:nvSpPr>
+        <p:spPr>
+          <a:xfrm>
+            <a:off x="8453812" y="4776598"/>
+            <a:ext cx="2102658" cy="646331"/>
+          </a:xfrm>
+          <a:prstGeom prst="rect">
+            <a:avLst/>
+          </a:prstGeom>
+          <a:noFill/>
+        </p:spPr>
+        <p:txBody>
+          <a:bodyPr wrap="square" rtlCol="0">
+            <a:spAutoFit/>
+          </a:bodyPr>
+          <a:lstStyle/>
+          <a:p>
+            <a:r>
+              <a:rPr lang="fr-FR" dirty="0"/>
+              <a:t>Figure 2</a:t>
+            </a:r>
+            <a:endParaRPr lang="en-US" dirty="0"/>
+          </a:p>
+          <a:p>
+            <a:endParaRPr lang="en-US" dirty="0"/>
           </a:p>
         </p:txBody>
       </p:sp>
@@ -5228,12 +5206,12 @@
       </p:sp>
       <p:pic>
         <p:nvPicPr>
-          <p:cNvPr id="10" name="Espace réservé du contenu 9"/>
+          <p:cNvPr id="5" name="Espace réservé du contenu 4"/>
           <p:cNvPicPr>
             <a:picLocks noGrp="1" noChangeAspect="1"/>
           </p:cNvPicPr>
           <p:nvPr>
-            <p:ph sz="half" idx="2"/>
+            <p:ph sz="half" idx="1"/>
           </p:nvPr>
         </p:nvPicPr>
         <p:blipFill>
@@ -5250,127 +5228,11 @@
         </p:blipFill>
         <p:spPr>
           <a:xfrm>
-            <a:off x="6203373" y="1845734"/>
-            <a:ext cx="4817225" cy="4232948"/>
+            <a:off x="1537545" y="2823382"/>
+            <a:ext cx="3718882" cy="2918713"/>
           </a:xfrm>
         </p:spPr>
       </p:pic>
-      <p:sp>
-        <p:nvSpPr>
-          <p:cNvPr id="9" name="Espace réservé du contenu 8"/>
-          <p:cNvSpPr>
-            <a:spLocks noGrp="1"/>
-          </p:cNvSpPr>
-          <p:nvPr>
-            <p:ph sz="half" idx="1"/>
-          </p:nvPr>
-        </p:nvSpPr>
-        <p:spPr>
-          <a:xfrm>
-            <a:off x="1097278" y="1845734"/>
-            <a:ext cx="4937760" cy="4232948"/>
-          </a:xfrm>
-        </p:spPr>
-        <p:txBody>
-          <a:bodyPr>
-            <a:normAutofit lnSpcReduction="10000"/>
-          </a:bodyPr>
-          <a:lstStyle/>
-          <a:p>
-            <a:pPr marL="0" indent="0">
-              <a:buNone/>
-            </a:pPr>
-            <a:r>
-              <a:rPr lang="fr-FR" dirty="0" smtClean="0"/>
-              <a:t>Une </a:t>
-            </a:r>
-            <a:r>
-              <a:rPr lang="fr-FR" dirty="0"/>
-              <a:t>machine à vecteurs de support prend ces points de données et génère l'hyperplan </a:t>
-            </a:r>
-            <a:r>
-              <a:rPr lang="fr-FR" dirty="0" smtClean="0"/>
-              <a:t>qui </a:t>
-            </a:r>
-            <a:r>
-              <a:rPr lang="fr-FR" dirty="0"/>
-              <a:t>sépare le mieux les balises. Cette ligne est la </a:t>
-            </a:r>
-            <a:r>
-              <a:rPr lang="fr-FR" b="1" dirty="0"/>
-              <a:t>frontière de décision</a:t>
-            </a:r>
-            <a:r>
-              <a:rPr lang="fr-FR" dirty="0"/>
-              <a:t> : tout ce qui tombe d'un côté de celui-ci sera classé comme </a:t>
-            </a:r>
-            <a:r>
-              <a:rPr lang="fr-FR" i="1" dirty="0"/>
-              <a:t>bleu</a:t>
-            </a:r>
-            <a:r>
-              <a:rPr lang="fr-FR" dirty="0"/>
-              <a:t> , et tout ce qui tombe de l'autre comme </a:t>
-            </a:r>
-            <a:r>
-              <a:rPr lang="fr-FR" i="1" dirty="0"/>
-              <a:t>rouge</a:t>
-            </a:r>
-            <a:r>
-              <a:rPr lang="fr-FR" dirty="0"/>
-              <a:t> </a:t>
-            </a:r>
-            <a:endParaRPr lang="fr-FR" dirty="0" smtClean="0"/>
-          </a:p>
-          <a:p>
-            <a:pPr marL="0" indent="0">
-              <a:buNone/>
-            </a:pPr>
-            <a:r>
-              <a:rPr lang="fr-FR" b="1" dirty="0">
-                <a:solidFill>
-                  <a:srgbClr val="FF0000"/>
-                </a:solidFill>
-              </a:rPr>
-              <a:t>Mais quel est exactement </a:t>
-            </a:r>
-            <a:r>
-              <a:rPr lang="fr-FR" b="1" i="1" dirty="0">
-                <a:solidFill>
-                  <a:srgbClr val="FF0000"/>
-                </a:solidFill>
-              </a:rPr>
-              <a:t>le meilleur</a:t>
-            </a:r>
-            <a:r>
-              <a:rPr lang="fr-FR" b="1" dirty="0">
-                <a:solidFill>
-                  <a:srgbClr val="FF0000"/>
-                </a:solidFill>
-              </a:rPr>
-              <a:t> hyperplan? </a:t>
-            </a:r>
-          </a:p>
-          <a:p>
-            <a:pPr marL="0" indent="0">
-              <a:buNone/>
-            </a:pPr>
-            <a:r>
-              <a:rPr lang="fr-FR" dirty="0" smtClean="0"/>
-              <a:t>Pour </a:t>
-            </a:r>
-            <a:r>
-              <a:rPr lang="fr-FR" dirty="0"/>
-              <a:t>SVM, c'est celui qui maximise les marges des deux balises. En d'autres termes: l'hyperplan (rappelez-vous qu'il s'agit d'une ligne dans ce cas) dont la distance à l'élément le plus proche de chaque balise est la plus grande.</a:t>
-            </a:r>
-            <a:r>
-              <a:rPr lang="fr-FR" dirty="0" smtClean="0"/>
-              <a:t>.</a:t>
-            </a:r>
-            <a:endParaRPr lang="en-US" dirty="0"/>
-          </a:p>
-        </p:txBody>
-      </p:sp>
       <p:sp>
         <p:nvSpPr>
           <p:cNvPr id="2" name="Espace réservé du pied de page 1"/>
@@ -5410,6 +5272,222 @@
               <a:t>3</a:t>
             </a:fld>
             <a:endParaRPr lang="en-US"/>
+          </a:p>
+        </p:txBody>
+      </p:sp>
+      <p:sp>
+        <p:nvSpPr>
+          <p:cNvPr id="4" name="Espace réservé du contenu 3"/>
+          <p:cNvSpPr>
+            <a:spLocks noGrp="1"/>
+          </p:cNvSpPr>
+          <p:nvPr>
+            <p:ph sz="half" idx="2"/>
+          </p:nvPr>
+        </p:nvSpPr>
+        <p:spPr/>
+        <p:txBody>
+          <a:bodyPr>
+            <a:normAutofit/>
+          </a:bodyPr>
+          <a:lstStyle/>
+          <a:p>
+            <a:r>
+              <a:rPr lang="fr-FR" sz="2400" b="1" dirty="0" smtClean="0">
+                <a:solidFill>
+                  <a:srgbClr val="FF0000"/>
+                </a:solidFill>
+              </a:rPr>
+              <a:t>Contraintes :</a:t>
+            </a:r>
+          </a:p>
+          <a:p>
+            <a:r>
+              <a:rPr lang="fr-FR" dirty="0" smtClean="0"/>
+              <a:t>1) </a:t>
+            </a:r>
+            <a:r>
+              <a:rPr lang="fr-FR" dirty="0"/>
+              <a:t> </a:t>
+            </a:r>
+            <a:r>
+              <a:rPr lang="fr-FR" dirty="0" smtClean="0"/>
+              <a:t>Très</a:t>
+            </a:r>
+            <a:r>
+              <a:rPr lang="fr-FR" b="1" dirty="0"/>
+              <a:t> sensible aux valeurs extrêmes</a:t>
+            </a:r>
+            <a:r>
+              <a:rPr lang="fr-FR" dirty="0"/>
+              <a:t> (aussi appelées </a:t>
+            </a:r>
+            <a:r>
+              <a:rPr lang="fr-FR" dirty="0" err="1"/>
+              <a:t>outliers</a:t>
+            </a:r>
+            <a:r>
+              <a:rPr lang="fr-FR" dirty="0" smtClean="0"/>
+              <a:t>)</a:t>
+            </a:r>
+          </a:p>
+          <a:p>
+            <a:endParaRPr lang="en-US" sz="2400" b="1" dirty="0">
+              <a:solidFill>
+                <a:srgbClr val="FF0000"/>
+              </a:solidFill>
+            </a:endParaRPr>
+          </a:p>
+        </p:txBody>
+      </p:sp>
+      <p:sp>
+        <p:nvSpPr>
+          <p:cNvPr id="6" name="Rectangle 5"/>
+          <p:cNvSpPr/>
+          <p:nvPr/>
+        </p:nvSpPr>
+        <p:spPr>
+          <a:xfrm>
+            <a:off x="962819" y="2008706"/>
+            <a:ext cx="5071533" cy="646331"/>
+          </a:xfrm>
+          <a:prstGeom prst="rect">
+            <a:avLst/>
+          </a:prstGeom>
+        </p:spPr>
+        <p:txBody>
+          <a:bodyPr wrap="square">
+            <a:spAutoFit/>
+          </a:bodyPr>
+          <a:lstStyle/>
+          <a:p>
+            <a:pPr marL="285750" indent="-285750">
+              <a:buFont typeface="Wingdings" panose="05000000000000000000" pitchFamily="2" charset="2"/>
+              <a:buChar char="q"/>
+            </a:pPr>
+            <a:r>
+              <a:rPr lang="fr-FR" dirty="0">
+                <a:solidFill>
+                  <a:srgbClr val="000000"/>
+                </a:solidFill>
+                <a:latin typeface="Metropolis"/>
+              </a:rPr>
+              <a:t>la droite qui sépare le mieux les 2 classes est celle dont la </a:t>
+            </a:r>
+            <a:r>
+              <a:rPr lang="fr-FR" b="1" dirty="0">
+                <a:solidFill>
+                  <a:srgbClr val="6E4CEB"/>
+                </a:solidFill>
+                <a:latin typeface="inherit"/>
+              </a:rPr>
+              <a:t>marge est la plus élevée</a:t>
+            </a:r>
+            <a:endParaRPr lang="en-US" dirty="0"/>
+          </a:p>
+        </p:txBody>
+      </p:sp>
+      <p:pic>
+        <p:nvPicPr>
+          <p:cNvPr id="8" name="Image 7"/>
+          <p:cNvPicPr>
+            <a:picLocks noChangeAspect="1"/>
+          </p:cNvPicPr>
+          <p:nvPr/>
+        </p:nvPicPr>
+        <p:blipFill>
+          <a:blip r:embed="rId3">
+            <a:extLst>
+              <a:ext uri="{28A0092B-C50C-407E-A947-70E740481C1C}">
+                <a14:useLocalDpi xmlns:a14="http://schemas.microsoft.com/office/drawing/2010/main" val="0"/>
+              </a:ext>
+            </a:extLst>
+          </a:blip>
+          <a:stretch>
+            <a:fillRect/>
+          </a:stretch>
+        </p:blipFill>
+        <p:spPr>
+          <a:xfrm>
+            <a:off x="6840283" y="2963803"/>
+            <a:ext cx="3868586" cy="2905292"/>
+          </a:xfrm>
+          <a:prstGeom prst="rect">
+            <a:avLst/>
+          </a:prstGeom>
+        </p:spPr>
+      </p:pic>
+      <p:sp>
+        <p:nvSpPr>
+          <p:cNvPr id="11" name="ZoneTexte 10"/>
+          <p:cNvSpPr txBox="1"/>
+          <p:nvPr/>
+        </p:nvSpPr>
+        <p:spPr>
+          <a:xfrm>
+            <a:off x="2675467" y="5886735"/>
+            <a:ext cx="2506133" cy="646331"/>
+          </a:xfrm>
+          <a:prstGeom prst="rect">
+            <a:avLst/>
+          </a:prstGeom>
+          <a:noFill/>
+        </p:spPr>
+        <p:txBody>
+          <a:bodyPr wrap="square" rtlCol="0">
+            <a:spAutoFit/>
+          </a:bodyPr>
+          <a:lstStyle/>
+          <a:p>
+            <a:r>
+              <a:rPr lang="fr-FR" dirty="0"/>
+              <a:t>Figure </a:t>
+            </a:r>
+            <a:r>
+              <a:rPr lang="fr-FR" dirty="0" smtClean="0"/>
+              <a:t>3 </a:t>
+            </a:r>
+            <a:endParaRPr lang="en-US" dirty="0"/>
+          </a:p>
+          <a:p>
+            <a:endParaRPr lang="en-US" dirty="0"/>
+          </a:p>
+        </p:txBody>
+      </p:sp>
+      <p:sp>
+        <p:nvSpPr>
+          <p:cNvPr id="12" name="ZoneTexte 11"/>
+          <p:cNvSpPr txBox="1"/>
+          <p:nvPr/>
+        </p:nvSpPr>
+        <p:spPr>
+          <a:xfrm>
+            <a:off x="8163324" y="5898711"/>
+            <a:ext cx="2082800" cy="646331"/>
+          </a:xfrm>
+          <a:prstGeom prst="rect">
+            <a:avLst/>
+          </a:prstGeom>
+          <a:noFill/>
+        </p:spPr>
+        <p:txBody>
+          <a:bodyPr wrap="square" rtlCol="0">
+            <a:spAutoFit/>
+          </a:bodyPr>
+          <a:lstStyle/>
+          <a:p>
+            <a:r>
+              <a:rPr lang="fr-FR" dirty="0"/>
+              <a:t>Figure </a:t>
+            </a:r>
+            <a:r>
+              <a:rPr lang="fr-FR" dirty="0" smtClean="0"/>
+              <a:t>4 </a:t>
+            </a:r>
+            <a:endParaRPr lang="en-US" dirty="0"/>
+          </a:p>
+          <a:p>
+            <a:endParaRPr lang="en-US" dirty="0"/>
           </a:p>
         </p:txBody>
       </p:sp>
@@ -5462,152 +5540,77 @@
         </p:nvSpPr>
         <p:spPr>
           <a:xfrm>
-            <a:off x="1097280" y="703413"/>
+            <a:off x="1097278" y="157128"/>
             <a:ext cx="10058400" cy="1450757"/>
           </a:xfrm>
         </p:spPr>
         <p:txBody>
-          <a:bodyPr>
-            <a:noAutofit/>
-          </a:bodyPr>
-          <a:lstStyle/>
-          <a:p>
-            <a:r>
-              <a:rPr lang="en-US" sz="4400" b="1" dirty="0">
-                <a:solidFill>
-                  <a:schemeClr val="tx1"/>
+          <a:bodyPr/>
+          <a:lstStyle/>
+          <a:p>
+            <a:r>
+              <a:rPr lang="en-US" b="1" dirty="0" smtClean="0">
+                <a:solidFill>
+                  <a:schemeClr val="tx2">
+                    <a:lumMod val="75000"/>
+                  </a:schemeClr>
                 </a:solidFill>
               </a:rPr>
-              <a:t>	</a:t>
-            </a:r>
-            <a:r>
-              <a:rPr lang="en-US" sz="4400" b="1" dirty="0" smtClean="0">
-                <a:solidFill>
-                  <a:schemeClr val="tx1"/>
+              <a:t>		Support </a:t>
+            </a:r>
+            <a:r>
+              <a:rPr lang="en-US" b="1" dirty="0">
+                <a:solidFill>
+                  <a:schemeClr val="tx2">
+                    <a:lumMod val="75000"/>
+                  </a:schemeClr>
                 </a:solidFill>
               </a:rPr>
-              <a:t/>
-            </a:r>
-            <a:br>
-              <a:rPr lang="en-US" sz="4400" b="1" dirty="0" smtClean="0">
-                <a:solidFill>
-                  <a:schemeClr val="tx1"/>
-                </a:solidFill>
-              </a:rPr>
-            </a:br>
-            <a:r>
-              <a:rPr lang="en-US" sz="4400" b="1" dirty="0">
-                <a:solidFill>
-                  <a:schemeClr val="tx1"/>
-                </a:solidFill>
-              </a:rPr>
-              <a:t/>
-            </a:r>
-            <a:br>
-              <a:rPr lang="en-US" sz="4400" b="1" dirty="0">
-                <a:solidFill>
-                  <a:schemeClr val="tx1"/>
-                </a:solidFill>
-              </a:rPr>
-            </a:br>
-            <a:r>
-              <a:rPr lang="en-US" sz="4400" b="1" dirty="0">
-                <a:solidFill>
-                  <a:schemeClr val="tx1"/>
-                </a:solidFill>
-              </a:rPr>
-              <a:t>	</a:t>
-            </a:r>
-            <a:r>
-              <a:rPr lang="en-US" sz="4400" b="1" dirty="0" smtClean="0">
-                <a:solidFill>
-                  <a:schemeClr val="tx1"/>
-                </a:solidFill>
-              </a:rPr>
-              <a:t/>
-            </a:r>
-            <a:br>
-              <a:rPr lang="en-US" sz="4400" b="1" dirty="0" smtClean="0">
-                <a:solidFill>
-                  <a:schemeClr val="tx1"/>
-                </a:solidFill>
-              </a:rPr>
-            </a:br>
-            <a:r>
-              <a:rPr lang="en-US" sz="4400" b="1" dirty="0">
-                <a:solidFill>
-                  <a:schemeClr val="tx1"/>
-                </a:solidFill>
-              </a:rPr>
-              <a:t/>
-            </a:r>
-            <a:br>
-              <a:rPr lang="en-US" sz="4400" b="1" dirty="0">
-                <a:solidFill>
-                  <a:schemeClr val="tx1"/>
-                </a:solidFill>
-              </a:rPr>
-            </a:br>
-            <a:r>
-              <a:rPr lang="en-US" sz="4400" b="1" dirty="0">
-                <a:solidFill>
-                  <a:schemeClr val="tx1"/>
-                </a:solidFill>
-              </a:rPr>
-              <a:t>	</a:t>
-            </a:r>
-            <a:r>
-              <a:rPr lang="en-US" sz="4400" b="1" dirty="0" smtClean="0">
-                <a:solidFill>
-                  <a:schemeClr val="tx1"/>
-                </a:solidFill>
-              </a:rPr>
-              <a:t>	</a:t>
-            </a:r>
-            <a:r>
-              <a:rPr lang="en-US" b="1" dirty="0" smtClean="0">
-                <a:solidFill>
-                  <a:schemeClr val="tx1"/>
-                </a:solidFill>
-              </a:rPr>
-              <a:t>Support </a:t>
-            </a:r>
-            <a:r>
-              <a:rPr lang="en-US" b="1" dirty="0">
-                <a:solidFill>
-                  <a:schemeClr val="tx1"/>
-                </a:solidFill>
-              </a:rPr>
-              <a:t>Vector </a:t>
-            </a:r>
-            <a:r>
-              <a:rPr lang="en-US" b="1" dirty="0" smtClean="0">
-                <a:solidFill>
-                  <a:schemeClr val="tx1"/>
-                </a:solidFill>
-              </a:rPr>
-              <a:t>Machines</a:t>
-            </a:r>
-            <a:r>
-              <a:rPr lang="en-US" sz="4400" b="1" dirty="0">
-                <a:solidFill>
-                  <a:schemeClr val="tx1"/>
-                </a:solidFill>
-              </a:rPr>
-              <a:t/>
-            </a:r>
-            <a:br>
-              <a:rPr lang="en-US" sz="4400" b="1" dirty="0">
-                <a:solidFill>
-                  <a:schemeClr val="tx1"/>
-                </a:solidFill>
-              </a:rPr>
-            </a:br>
-            <a:endParaRPr lang="en-US" sz="4400" b="1" dirty="0">
-              <a:solidFill>
-                <a:schemeClr val="tx1"/>
-              </a:solidFill>
-            </a:endParaRPr>
+              <a:t>Vector Machines</a:t>
+            </a:r>
+            <a:endParaRPr lang="en-US" dirty="0"/>
+          </a:p>
+        </p:txBody>
+      </p:sp>
+      <p:sp>
+        <p:nvSpPr>
+          <p:cNvPr id="3" name="Espace réservé du pied de page 2"/>
+          <p:cNvSpPr>
+            <a:spLocks noGrp="1"/>
+          </p:cNvSpPr>
+          <p:nvPr>
+            <p:ph type="ftr" sz="quarter" idx="11"/>
+          </p:nvPr>
+        </p:nvSpPr>
+        <p:spPr/>
+        <p:txBody>
+          <a:bodyPr/>
+          <a:lstStyle/>
+          <a:p>
+            <a:endParaRPr lang="en-US"/>
+          </a:p>
+        </p:txBody>
+      </p:sp>
+      <p:sp>
+        <p:nvSpPr>
+          <p:cNvPr id="4" name="Espace réservé du numéro de diapositive 3"/>
+          <p:cNvSpPr>
+            <a:spLocks noGrp="1"/>
+          </p:cNvSpPr>
+          <p:nvPr>
+            <p:ph type="sldNum" sz="quarter" idx="12"/>
+          </p:nvPr>
+        </p:nvSpPr>
+        <p:spPr/>
+        <p:txBody>
+          <a:bodyPr/>
+          <a:lstStyle/>
+          <a:p>
+            <a:fld id="{2B522879-D5EA-4998-A890-48DBABBB57DE}" type="slidenum">
+              <a:rPr lang="en-US" smtClean="0"/>
+              <a:t>4</a:t>
+            </a:fld>
+            <a:endParaRPr lang="en-US"/>
           </a:p>
         </p:txBody>
       </p:sp>
@@ -5623,206 +5626,74 @@
         </p:nvSpPr>
         <p:spPr/>
         <p:txBody>
-          <a:bodyPr>
-            <a:normAutofit/>
-          </a:bodyPr>
-          <a:lstStyle/>
-          <a:p>
-            <a:r>
-              <a:rPr lang="en-US" sz="2400" b="1" dirty="0" smtClean="0">
-                <a:solidFill>
-                  <a:srgbClr val="FF0000"/>
-                </a:solidFill>
-              </a:rPr>
-              <a:t>2) </a:t>
-            </a:r>
-            <a:r>
-              <a:rPr lang="en-US" sz="2400" b="1" dirty="0" err="1" smtClean="0">
-                <a:solidFill>
-                  <a:srgbClr val="FF0000"/>
-                </a:solidFill>
-              </a:rPr>
-              <a:t>Données</a:t>
-            </a:r>
-            <a:r>
-              <a:rPr lang="en-US" sz="2400" b="1" dirty="0" smtClean="0">
-                <a:solidFill>
-                  <a:srgbClr val="FF0000"/>
-                </a:solidFill>
-              </a:rPr>
-              <a:t> </a:t>
-            </a:r>
-            <a:r>
-              <a:rPr lang="en-US" sz="2400" b="1" dirty="0">
-                <a:solidFill>
-                  <a:srgbClr val="FF0000"/>
-                </a:solidFill>
-              </a:rPr>
-              <a:t>non </a:t>
-            </a:r>
-            <a:r>
-              <a:rPr lang="en-US" sz="2400" b="1" dirty="0" err="1">
-                <a:solidFill>
-                  <a:srgbClr val="FF0000"/>
-                </a:solidFill>
-              </a:rPr>
-              <a:t>linéaires</a:t>
-            </a:r>
-            <a:endParaRPr lang="en-US" sz="2400" b="1" dirty="0">
-              <a:solidFill>
-                <a:srgbClr val="FF0000"/>
-              </a:solidFill>
-            </a:endParaRPr>
-          </a:p>
-          <a:p>
-            <a:endParaRPr lang="en-US" dirty="0"/>
-          </a:p>
-        </p:txBody>
-      </p:sp>
-      <p:sp>
-        <p:nvSpPr>
-          <p:cNvPr id="6" name="Espace réservé du contenu 5"/>
-          <p:cNvSpPr>
-            <a:spLocks noGrp="1"/>
-          </p:cNvSpPr>
-          <p:nvPr>
-            <p:ph sz="half" idx="2"/>
-          </p:nvPr>
-        </p:nvSpPr>
-        <p:spPr/>
-        <p:txBody>
-          <a:bodyPr>
-            <a:normAutofit/>
-          </a:bodyPr>
-          <a:lstStyle/>
-          <a:p>
-            <a:pPr>
-              <a:buFont typeface="Wingdings" panose="05000000000000000000" pitchFamily="2" charset="2"/>
-              <a:buChar char="Ø"/>
-            </a:pPr>
+          <a:bodyPr/>
+          <a:lstStyle/>
+          <a:p>
             <a:r>
               <a:rPr lang="fr-FR" dirty="0" smtClean="0"/>
-              <a:t> Il n'y </a:t>
+              <a:t>2) Il n’existe </a:t>
             </a:r>
             <a:r>
               <a:rPr lang="fr-FR" dirty="0"/>
-              <a:t>a pas de limite de décision linéaire (une seule ligne droite qui sépare les deux balises). </a:t>
-            </a:r>
-            <a:endParaRPr lang="fr-FR" dirty="0" smtClean="0"/>
-          </a:p>
-          <a:p>
-            <a:pPr>
-              <a:buFont typeface="Wingdings" panose="05000000000000000000" pitchFamily="2" charset="2"/>
-              <a:buChar char="Ø"/>
-            </a:pPr>
-            <a:r>
-              <a:rPr lang="fr-FR" dirty="0" smtClean="0"/>
-              <a:t> Nous </a:t>
-            </a:r>
-            <a:r>
-              <a:rPr lang="fr-FR" dirty="0"/>
-              <a:t>ajouterons une troisième dimension. Jusqu'à présent, nous avions deux dimensions: </a:t>
-            </a:r>
-            <a:r>
-              <a:rPr lang="fr-FR" i="1" dirty="0"/>
-              <a:t>x</a:t>
-            </a:r>
-            <a:r>
-              <a:rPr lang="fr-FR" dirty="0"/>
-              <a:t> et </a:t>
-            </a:r>
-            <a:r>
-              <a:rPr lang="fr-FR" i="1" dirty="0"/>
-              <a:t>y</a:t>
-            </a:r>
-            <a:r>
-              <a:rPr lang="fr-FR" dirty="0"/>
-              <a:t> </a:t>
-            </a:r>
-            <a:r>
-              <a:rPr lang="fr-FR" dirty="0" smtClean="0"/>
-              <a:t>.</a:t>
-            </a:r>
-          </a:p>
-          <a:p>
-            <a:pPr>
-              <a:buFont typeface="Wingdings" panose="05000000000000000000" pitchFamily="2" charset="2"/>
-              <a:buChar char="Ø"/>
-            </a:pPr>
-            <a:r>
-              <a:rPr lang="fr-FR" dirty="0" smtClean="0"/>
-              <a:t> </a:t>
-            </a:r>
-            <a:r>
-              <a:rPr lang="fr-FR" dirty="0"/>
-              <a:t>Nous créons une nouvelle dimension </a:t>
-            </a:r>
-            <a:r>
-              <a:rPr lang="fr-FR" i="1" dirty="0"/>
-              <a:t>z</a:t>
-            </a:r>
-            <a:r>
-              <a:rPr lang="fr-FR" dirty="0"/>
-              <a:t> </a:t>
-            </a:r>
-            <a:r>
-              <a:rPr lang="fr-FR" dirty="0" smtClean="0"/>
-              <a:t>, </a:t>
-            </a:r>
-            <a:r>
-              <a:rPr lang="fr-FR" dirty="0"/>
-              <a:t>et nous ordonnons qu'elle soit calculée d'une certaine manière qui nous convient: </a:t>
-            </a:r>
-            <a:r>
-              <a:rPr lang="fr-FR" i="1" dirty="0"/>
-              <a:t>z = x² + y²</a:t>
-            </a:r>
-            <a:r>
-              <a:rPr lang="fr-FR" dirty="0"/>
-              <a:t> </a:t>
-            </a:r>
-          </a:p>
-          <a:p>
-            <a:pPr>
-              <a:buFont typeface="Wingdings" panose="05000000000000000000" pitchFamily="2" charset="2"/>
-              <a:buChar char="Ø"/>
-            </a:pPr>
-            <a:r>
-              <a:rPr lang="fr-FR" dirty="0" smtClean="0"/>
-              <a:t> Cela </a:t>
-            </a:r>
-            <a:r>
-              <a:rPr lang="fr-FR" dirty="0"/>
-              <a:t>nous donnera un espace tridimensionnel. En prenant une tranche de cet espace, cela ressemble à ceci:</a:t>
-            </a:r>
-          </a:p>
-          <a:p>
-            <a:pPr>
-              <a:buFont typeface="Wingdings" panose="05000000000000000000" pitchFamily="2" charset="2"/>
-              <a:buChar char="Ø"/>
-            </a:pPr>
+              <a:t>pas toujours de droite séparant parfaitement les 2 classes</a:t>
+            </a:r>
             <a:endParaRPr lang="en-US" dirty="0"/>
           </a:p>
         </p:txBody>
       </p:sp>
       <p:pic>
         <p:nvPicPr>
-          <p:cNvPr id="7" name="Image 6"/>
+          <p:cNvPr id="8" name="Espace réservé du contenu 7"/>
+          <p:cNvPicPr>
+            <a:picLocks noGrp="1" noChangeAspect="1"/>
+          </p:cNvPicPr>
+          <p:nvPr>
+            <p:ph sz="half" idx="2"/>
+          </p:nvPr>
+        </p:nvPicPr>
+        <p:blipFill>
+          <a:blip r:embed="rId2">
+            <a:extLst>
+              <a:ext uri="{28A0092B-C50C-407E-A947-70E740481C1C}">
+                <a14:useLocalDpi xmlns:a14="http://schemas.microsoft.com/office/drawing/2010/main" val="0"/>
+              </a:ext>
+            </a:extLst>
+          </a:blip>
+          <a:stretch>
+            <a:fillRect/>
+          </a:stretch>
+        </p:blipFill>
+        <p:spPr>
+          <a:xfrm>
+            <a:off x="1261342" y="2562713"/>
+            <a:ext cx="4389500" cy="2865368"/>
+          </a:xfrm>
+        </p:spPr>
+      </p:pic>
+      <p:pic>
+        <p:nvPicPr>
+          <p:cNvPr id="11" name="Image 10"/>
           <p:cNvPicPr>
             <a:picLocks noChangeAspect="1"/>
           </p:cNvPicPr>
           <p:nvPr/>
         </p:nvPicPr>
         <p:blipFill>
-          <a:blip r:embed="rId2"/>
+          <a:blip r:embed="rId3">
+            <a:extLst>
+              <a:ext uri="{28A0092B-C50C-407E-A947-70E740481C1C}">
+                <a14:useLocalDpi xmlns:a14="http://schemas.microsoft.com/office/drawing/2010/main" val="0"/>
+              </a:ext>
+            </a:extLst>
+          </a:blip>
           <a:stretch>
             <a:fillRect/>
           </a:stretch>
         </p:blipFill>
         <p:spPr>
           <a:xfrm>
-            <a:off x="1097278" y="2462607"/>
-            <a:ext cx="3865418" cy="3323360"/>
+            <a:off x="6563244" y="2877438"/>
+            <a:ext cx="3993226" cy="769687"/>
           </a:xfrm>
           <a:prstGeom prst="rect">
             <a:avLst/>
@@ -5831,50 +5702,234 @@
       </p:pic>
       <p:sp>
         <p:nvSpPr>
-          <p:cNvPr id="3" name="Espace réservé du pied de page 2"/>
-          <p:cNvSpPr>
-            <a:spLocks noGrp="1"/>
-          </p:cNvSpPr>
-          <p:nvPr>
-            <p:ph type="ftr" sz="quarter" idx="11"/>
-          </p:nvPr>
-        </p:nvSpPr>
-        <p:spPr/>
-        <p:txBody>
-          <a:bodyPr/>
-          <a:lstStyle/>
-          <a:p>
-            <a:endParaRPr lang="en-US"/>
-          </a:p>
-        </p:txBody>
-      </p:sp>
-      <p:sp>
-        <p:nvSpPr>
-          <p:cNvPr id="4" name="Espace réservé du numéro de diapositive 3"/>
-          <p:cNvSpPr>
-            <a:spLocks noGrp="1"/>
-          </p:cNvSpPr>
-          <p:nvPr>
-            <p:ph type="sldNum" sz="quarter" idx="12"/>
-          </p:nvPr>
-        </p:nvSpPr>
-        <p:spPr/>
-        <p:txBody>
-          <a:bodyPr/>
-          <a:lstStyle/>
-          <a:p>
-            <a:fld id="{2B522879-D5EA-4998-A890-48DBABBB57DE}" type="slidenum">
-              <a:rPr lang="en-US" smtClean="0"/>
-              <a:t>4</a:t>
-            </a:fld>
-            <a:endParaRPr lang="en-US"/>
+          <p:cNvPr id="12" name="Rectangle 11"/>
+          <p:cNvSpPr/>
+          <p:nvPr/>
+        </p:nvSpPr>
+        <p:spPr>
+          <a:xfrm>
+            <a:off x="6309168" y="1845734"/>
+            <a:ext cx="5240867" cy="923330"/>
+          </a:xfrm>
+          <a:prstGeom prst="rect">
+            <a:avLst/>
+          </a:prstGeom>
+        </p:spPr>
+        <p:txBody>
+          <a:bodyPr wrap="square">
+            <a:spAutoFit/>
+          </a:bodyPr>
+          <a:lstStyle/>
+          <a:p>
+            <a:pPr marL="285750" indent="-285750">
+              <a:buFont typeface="Wingdings" panose="05000000000000000000" pitchFamily="2" charset="2"/>
+              <a:buChar char="q"/>
+            </a:pPr>
+            <a:r>
+              <a:rPr lang="fr-FR" dirty="0" smtClean="0">
+                <a:solidFill>
+                  <a:srgbClr val="000000"/>
+                </a:solidFill>
+                <a:latin typeface="inherit"/>
+              </a:rPr>
+              <a:t>Prenons  </a:t>
+            </a:r>
+            <a:r>
+              <a:rPr lang="fr-FR" dirty="0">
+                <a:solidFill>
+                  <a:srgbClr val="000000"/>
+                </a:solidFill>
+                <a:latin typeface="inherit"/>
+              </a:rPr>
+              <a:t>cette fois des observations de </a:t>
+            </a:r>
+            <a:r>
+              <a:rPr lang="fr-FR" b="1" dirty="0">
+                <a:solidFill>
+                  <a:srgbClr val="6E4CEB"/>
+                </a:solidFill>
+                <a:latin typeface="inherit"/>
+              </a:rPr>
+              <a:t>dimension 1</a:t>
+            </a:r>
+            <a:r>
+              <a:rPr lang="fr-FR" dirty="0">
+                <a:solidFill>
+                  <a:srgbClr val="000000"/>
+                </a:solidFill>
+                <a:latin typeface="inherit"/>
+              </a:rPr>
+              <a:t>, c’est-à-dire sur un droite (et pas un plan).</a:t>
+            </a:r>
+            <a:endParaRPr lang="en-US" dirty="0"/>
+          </a:p>
+        </p:txBody>
+      </p:sp>
+      <p:sp>
+        <p:nvSpPr>
+          <p:cNvPr id="13" name="Rectangle 12"/>
+          <p:cNvSpPr/>
+          <p:nvPr/>
+        </p:nvSpPr>
+        <p:spPr>
+          <a:xfrm>
+            <a:off x="6379633" y="4319840"/>
+            <a:ext cx="5668433" cy="1261884"/>
+          </a:xfrm>
+          <a:prstGeom prst="rect">
+            <a:avLst/>
+          </a:prstGeom>
+        </p:spPr>
+        <p:txBody>
+          <a:bodyPr wrap="square">
+            <a:spAutoFit/>
+          </a:bodyPr>
+          <a:lstStyle/>
+          <a:p>
+            <a:endParaRPr lang="en-US" sz="2000" b="1" dirty="0" smtClean="0">
+              <a:solidFill>
+                <a:srgbClr val="FF0000"/>
+              </a:solidFill>
+            </a:endParaRPr>
+          </a:p>
+          <a:p>
+            <a:r>
+              <a:rPr lang="en-US" sz="2000" b="1" dirty="0" smtClean="0">
+                <a:solidFill>
+                  <a:srgbClr val="FF0000"/>
+                </a:solidFill>
+              </a:rPr>
+              <a:t> </a:t>
+            </a:r>
+            <a:r>
+              <a:rPr lang="en-US" sz="2000" b="1" dirty="0" err="1" smtClean="0">
+                <a:solidFill>
+                  <a:srgbClr val="FF0000"/>
+                </a:solidFill>
+              </a:rPr>
+              <a:t>L’idée</a:t>
+            </a:r>
+            <a:r>
+              <a:rPr lang="en-US" sz="2000" b="1" dirty="0" smtClean="0">
+                <a:solidFill>
+                  <a:srgbClr val="FF0000"/>
+                </a:solidFill>
+              </a:rPr>
+              <a:t> </a:t>
+            </a:r>
+            <a:r>
+              <a:rPr lang="fr-FR" sz="2000" b="1" dirty="0" smtClean="0">
+                <a:solidFill>
+                  <a:srgbClr val="FF0000"/>
+                </a:solidFill>
+                <a:latin typeface="Metropolis"/>
+              </a:rPr>
+              <a:t>: </a:t>
+            </a:r>
+          </a:p>
+          <a:p>
+            <a:pPr marL="285750" indent="-285750">
+              <a:buFont typeface="Wingdings" panose="05000000000000000000" pitchFamily="2" charset="2"/>
+              <a:buChar char="q"/>
+            </a:pPr>
+            <a:r>
+              <a:rPr lang="fr-FR" dirty="0">
+                <a:solidFill>
+                  <a:srgbClr val="000000"/>
+                </a:solidFill>
+                <a:latin typeface="Metropolis"/>
+              </a:rPr>
+              <a:t> </a:t>
+            </a:r>
+            <a:r>
+              <a:rPr lang="fr-FR" dirty="0" smtClean="0">
+                <a:solidFill>
+                  <a:srgbClr val="000000"/>
+                </a:solidFill>
+                <a:latin typeface="Metropolis"/>
+              </a:rPr>
+              <a:t>Projeter </a:t>
+            </a:r>
+            <a:r>
+              <a:rPr lang="fr-FR" dirty="0">
+                <a:solidFill>
+                  <a:srgbClr val="000000"/>
+                </a:solidFill>
+                <a:latin typeface="Metropolis"/>
+              </a:rPr>
+              <a:t>les données dans un espace de plus grande dimensions, pour les rendre séparables.</a:t>
+            </a:r>
+            <a:endParaRPr lang="en-US" dirty="0"/>
+          </a:p>
+        </p:txBody>
+      </p:sp>
+      <p:sp>
+        <p:nvSpPr>
+          <p:cNvPr id="14" name="ZoneTexte 13"/>
+          <p:cNvSpPr txBox="1"/>
+          <p:nvPr/>
+        </p:nvSpPr>
+        <p:spPr>
+          <a:xfrm>
+            <a:off x="2719491" y="5695606"/>
+            <a:ext cx="1693334" cy="646331"/>
+          </a:xfrm>
+          <a:prstGeom prst="rect">
+            <a:avLst/>
+          </a:prstGeom>
+          <a:noFill/>
+        </p:spPr>
+        <p:txBody>
+          <a:bodyPr wrap="square" rtlCol="0">
+            <a:spAutoFit/>
+          </a:bodyPr>
+          <a:lstStyle/>
+          <a:p>
+            <a:r>
+              <a:rPr lang="fr-FR" dirty="0"/>
+              <a:t>Figure 5</a:t>
+            </a:r>
+            <a:endParaRPr lang="en-US" dirty="0"/>
+          </a:p>
+          <a:p>
+            <a:endParaRPr lang="en-US" dirty="0"/>
+          </a:p>
+        </p:txBody>
+      </p:sp>
+      <p:sp>
+        <p:nvSpPr>
+          <p:cNvPr id="15" name="ZoneTexte 14"/>
+          <p:cNvSpPr txBox="1"/>
+          <p:nvPr/>
+        </p:nvSpPr>
+        <p:spPr>
+          <a:xfrm>
+            <a:off x="8187267" y="3891584"/>
+            <a:ext cx="2624667" cy="369332"/>
+          </a:xfrm>
+          <a:prstGeom prst="rect">
+            <a:avLst/>
+          </a:prstGeom>
+          <a:noFill/>
+        </p:spPr>
+        <p:txBody>
+          <a:bodyPr wrap="square" rtlCol="0">
+            <a:spAutoFit/>
+          </a:bodyPr>
+          <a:lstStyle/>
+          <a:p>
+            <a:r>
+              <a:rPr lang="fr-FR" dirty="0"/>
+              <a:t>Figure 6</a:t>
+            </a:r>
+            <a:endParaRPr lang="en-US" dirty="0"/>
           </a:p>
         </p:txBody>
       </p:sp>
     </p:spTree>
     <p:extLst>
       <p:ext uri="{BB962C8B-B14F-4D97-AF65-F5344CB8AC3E}">
-        <p14:creationId xmlns:p14="http://schemas.microsoft.com/office/powerpoint/2010/main" val="4178013007"/>
+        <p14:creationId xmlns:p14="http://schemas.microsoft.com/office/powerpoint/2010/main" val="2483277395"/>
       </p:ext>
     </p:extLst>
   </p:cSld>
@@ -5918,30 +5973,306 @@
             <p:ph type="title"/>
           </p:nvPr>
         </p:nvSpPr>
-        <p:spPr/>
-        <p:txBody>
-          <a:bodyPr/>
-          <a:lstStyle/>
-          <a:p>
+        <p:spPr>
+          <a:xfrm>
+            <a:off x="1097280" y="703413"/>
+            <a:ext cx="10058400" cy="1450757"/>
+          </a:xfrm>
+        </p:spPr>
+        <p:txBody>
+          <a:bodyPr>
+            <a:noAutofit/>
+          </a:bodyPr>
+          <a:lstStyle/>
+          <a:p>
+            <a:r>
+              <a:rPr lang="en-US" sz="4400" b="1" dirty="0">
+                <a:solidFill>
+                  <a:schemeClr val="tx1"/>
+                </a:solidFill>
+              </a:rPr>
+              <a:t>	</a:t>
+            </a:r>
+            <a:r>
+              <a:rPr lang="en-US" sz="4400" b="1" dirty="0" smtClean="0">
+                <a:solidFill>
+                  <a:schemeClr val="tx1"/>
+                </a:solidFill>
+              </a:rPr>
+              <a:t/>
+            </a:r>
+            <a:br>
+              <a:rPr lang="en-US" sz="4400" b="1" dirty="0" smtClean="0">
+                <a:solidFill>
+                  <a:schemeClr val="tx1"/>
+                </a:solidFill>
+              </a:rPr>
+            </a:br>
+            <a:r>
+              <a:rPr lang="en-US" sz="4400" b="1" dirty="0">
+                <a:solidFill>
+                  <a:schemeClr val="tx1"/>
+                </a:solidFill>
+              </a:rPr>
+              <a:t/>
+            </a:r>
+            <a:br>
+              <a:rPr lang="en-US" sz="4400" b="1" dirty="0">
+                <a:solidFill>
+                  <a:schemeClr val="tx1"/>
+                </a:solidFill>
+              </a:rPr>
+            </a:br>
+            <a:r>
+              <a:rPr lang="en-US" sz="4400" b="1" dirty="0">
+                <a:solidFill>
+                  <a:schemeClr val="tx1"/>
+                </a:solidFill>
+              </a:rPr>
+              <a:t>	</a:t>
+            </a:r>
+            <a:r>
+              <a:rPr lang="en-US" sz="4400" b="1" dirty="0" smtClean="0">
+                <a:solidFill>
+                  <a:schemeClr val="tx1"/>
+                </a:solidFill>
+              </a:rPr>
+              <a:t/>
+            </a:r>
+            <a:br>
+              <a:rPr lang="en-US" sz="4400" b="1" dirty="0" smtClean="0">
+                <a:solidFill>
+                  <a:schemeClr val="tx1"/>
+                </a:solidFill>
+              </a:rPr>
+            </a:br>
+            <a:r>
+              <a:rPr lang="en-US" sz="4400" b="1" dirty="0">
+                <a:solidFill>
+                  <a:schemeClr val="tx1"/>
+                </a:solidFill>
+              </a:rPr>
+              <a:t/>
+            </a:r>
+            <a:br>
+              <a:rPr lang="en-US" sz="4400" b="1" dirty="0">
+                <a:solidFill>
+                  <a:schemeClr val="tx1"/>
+                </a:solidFill>
+              </a:rPr>
+            </a:br>
+            <a:r>
+              <a:rPr lang="en-US" sz="4400" b="1" dirty="0">
+                <a:solidFill>
+                  <a:schemeClr val="tx1"/>
+                </a:solidFill>
+              </a:rPr>
+              <a:t>	</a:t>
+            </a:r>
+            <a:r>
+              <a:rPr lang="en-US" sz="4400" b="1" dirty="0" smtClean="0">
+                <a:solidFill>
+                  <a:schemeClr val="tx1"/>
+                </a:solidFill>
+              </a:rPr>
+              <a:t>	</a:t>
+            </a:r>
             <a:r>
               <a:rPr lang="en-US" b="1" dirty="0" smtClean="0">
                 <a:solidFill>
-                  <a:schemeClr val="tx2">
-                    <a:lumMod val="75000"/>
-                  </a:schemeClr>
+                  <a:schemeClr val="tx1"/>
                 </a:solidFill>
               </a:rPr>
-              <a:t>		Support </a:t>
+              <a:t>Support </a:t>
             </a:r>
             <a:r>
               <a:rPr lang="en-US" b="1" dirty="0">
                 <a:solidFill>
-                  <a:schemeClr val="tx2">
-                    <a:lumMod val="75000"/>
-                  </a:schemeClr>
+                  <a:schemeClr val="tx1"/>
                 </a:solidFill>
               </a:rPr>
-              <a:t>Vector Machines</a:t>
+              <a:t>Vector </a:t>
+            </a:r>
+            <a:r>
+              <a:rPr lang="en-US" b="1" dirty="0" smtClean="0">
+                <a:solidFill>
+                  <a:schemeClr val="tx1"/>
+                </a:solidFill>
+              </a:rPr>
+              <a:t>Machines</a:t>
+            </a:r>
+            <a:r>
+              <a:rPr lang="en-US" sz="4400" b="1" dirty="0">
+                <a:solidFill>
+                  <a:schemeClr val="tx1"/>
+                </a:solidFill>
+              </a:rPr>
+              <a:t/>
+            </a:r>
+            <a:br>
+              <a:rPr lang="en-US" sz="4400" b="1" dirty="0">
+                <a:solidFill>
+                  <a:schemeClr val="tx1"/>
+                </a:solidFill>
+              </a:rPr>
+            </a:br>
+            <a:endParaRPr lang="en-US" sz="4400" b="1" dirty="0">
+              <a:solidFill>
+                <a:schemeClr val="tx1"/>
+              </a:solidFill>
+            </a:endParaRPr>
+          </a:p>
+        </p:txBody>
+      </p:sp>
+      <p:sp>
+        <p:nvSpPr>
+          <p:cNvPr id="5" name="Espace réservé du contenu 4"/>
+          <p:cNvSpPr>
+            <a:spLocks noGrp="1"/>
+          </p:cNvSpPr>
+          <p:nvPr>
+            <p:ph sz="half" idx="1"/>
+          </p:nvPr>
+        </p:nvSpPr>
+        <p:spPr>
+          <a:xfrm>
+            <a:off x="1097278" y="1845733"/>
+            <a:ext cx="4937760" cy="4334933"/>
+          </a:xfrm>
+        </p:spPr>
+        <p:txBody>
+          <a:bodyPr>
+            <a:noAutofit/>
+          </a:bodyPr>
+          <a:lstStyle/>
+          <a:p>
+            <a:pPr>
+              <a:buFont typeface="Wingdings" panose="05000000000000000000" pitchFamily="2" charset="2"/>
+              <a:buChar char="q"/>
+            </a:pPr>
+            <a:r>
+              <a:rPr lang="fr-FR" dirty="0" smtClean="0"/>
+              <a:t> Nous allons</a:t>
+            </a:r>
+            <a:r>
+              <a:rPr lang="fr-FR" dirty="0"/>
+              <a:t> </a:t>
+            </a:r>
+            <a:r>
+              <a:rPr lang="fr-FR" b="1" dirty="0" smtClean="0"/>
+              <a:t>projeter </a:t>
+            </a:r>
+            <a:r>
+              <a:rPr lang="fr-FR" b="1" dirty="0"/>
+              <a:t>les données</a:t>
+            </a:r>
+            <a:r>
+              <a:rPr lang="fr-FR" dirty="0"/>
+              <a:t> dans un espace de dimension </a:t>
+            </a:r>
+            <a:r>
+              <a:rPr lang="fr-FR" dirty="0" smtClean="0"/>
+              <a:t>2</a:t>
+            </a:r>
+            <a:r>
+              <a:rPr lang="fr-FR" dirty="0"/>
+              <a:t> </a:t>
+            </a:r>
+            <a:r>
+              <a:rPr lang="fr-FR" dirty="0" smtClean="0">
+                <a:solidFill>
+                  <a:srgbClr val="FF0000"/>
+                </a:solidFill>
+                <a:sym typeface="Wingdings" panose="05000000000000000000" pitchFamily="2" charset="2"/>
+              </a:rPr>
+              <a:t></a:t>
+            </a:r>
+            <a:r>
+              <a:rPr lang="fr-FR" b="1" dirty="0" smtClean="0"/>
+              <a:t>Fonction noyau </a:t>
+            </a:r>
+            <a:r>
+              <a:rPr lang="fr-FR" dirty="0" smtClean="0"/>
+              <a:t>(ou </a:t>
+            </a:r>
+            <a:r>
+              <a:rPr lang="fr-FR" dirty="0" err="1" smtClean="0">
+                <a:solidFill>
+                  <a:srgbClr val="FF0000"/>
+                </a:solidFill>
+              </a:rPr>
+              <a:t>kernel</a:t>
+            </a:r>
+            <a:r>
+              <a:rPr lang="fr-FR" dirty="0" smtClean="0">
+                <a:solidFill>
+                  <a:srgbClr val="FF0000"/>
+                </a:solidFill>
+              </a:rPr>
+              <a:t> </a:t>
+            </a:r>
+            <a:r>
+              <a:rPr lang="fr-FR" dirty="0" err="1" smtClean="0">
+                <a:solidFill>
+                  <a:srgbClr val="FF0000"/>
+                </a:solidFill>
+              </a:rPr>
+              <a:t>function</a:t>
+            </a:r>
+            <a:r>
+              <a:rPr lang="fr-FR" dirty="0" smtClean="0"/>
+              <a:t>) </a:t>
+            </a:r>
+            <a:r>
+              <a:rPr lang="fr-FR" dirty="0" smtClean="0">
+                <a:solidFill>
+                  <a:srgbClr val="FF0000"/>
+                </a:solidFill>
+                <a:sym typeface="Wingdings" panose="05000000000000000000" pitchFamily="2" charset="2"/>
+              </a:rPr>
+              <a:t></a:t>
+            </a:r>
+            <a:r>
+              <a:rPr lang="fr-FR" dirty="0" smtClean="0">
+                <a:sym typeface="Wingdings" panose="05000000000000000000" pitchFamily="2" charset="2"/>
+              </a:rPr>
+              <a:t> V</a:t>
+            </a:r>
+            <a:r>
+              <a:rPr lang="fr-FR" dirty="0" smtClean="0"/>
+              <a:t>a servir d’intermédiaire entre les deux espaces. </a:t>
+            </a:r>
+          </a:p>
+          <a:p>
+            <a:pPr>
+              <a:buFont typeface="Wingdings" panose="05000000000000000000" pitchFamily="2" charset="2"/>
+              <a:buChar char="q"/>
+            </a:pPr>
+            <a:r>
+              <a:rPr lang="fr-FR" dirty="0" smtClean="0"/>
+              <a:t> Prenons </a:t>
+            </a:r>
+            <a:r>
+              <a:rPr lang="fr-FR" dirty="0"/>
+              <a:t>par exemple comme fonction noyau la fonction cube (f(x) = x^3</a:t>
+            </a:r>
+            <a:r>
+              <a:rPr lang="fr-FR" dirty="0" smtClean="0"/>
+              <a:t>).</a:t>
+            </a:r>
+          </a:p>
+          <a:p>
+            <a:pPr>
+              <a:buFont typeface="Wingdings" panose="05000000000000000000" pitchFamily="2" charset="2"/>
+              <a:buChar char="q"/>
+            </a:pPr>
+            <a:r>
+              <a:rPr lang="fr-FR" dirty="0" smtClean="0"/>
+              <a:t> Si </a:t>
+            </a:r>
+            <a:r>
+              <a:rPr lang="fr-FR" dirty="0"/>
+              <a:t>l’on note f la fonction noyau, pour chaque observation x, on place un point de coordonnées (x, f(x)) dans le plan.  </a:t>
             </a:r>
             <a:endParaRPr lang="en-US" dirty="0"/>
           </a:p>
@@ -5949,7 +6280,7 @@
       </p:sp>
       <p:pic>
         <p:nvPicPr>
-          <p:cNvPr id="7" name="Espace réservé du contenu 6"/>
+          <p:cNvPr id="8" name="Espace réservé du contenu 7"/>
           <p:cNvPicPr>
             <a:picLocks noGrp="1" noChangeAspect="1"/>
           </p:cNvPicPr>
@@ -5958,89 +6289,24 @@
           </p:nvPr>
         </p:nvPicPr>
         <p:blipFill>
-          <a:blip r:embed="rId2"/>
+          <a:blip r:embed="rId2">
+            <a:extLst>
+              <a:ext uri="{28A0092B-C50C-407E-A947-70E740481C1C}">
+                <a14:useLocalDpi xmlns:a14="http://schemas.microsoft.com/office/drawing/2010/main" val="0"/>
+              </a:ext>
+            </a:extLst>
+          </a:blip>
           <a:stretch>
             <a:fillRect/>
           </a:stretch>
         </p:blipFill>
         <p:spPr>
           <a:xfrm>
-            <a:off x="6486529" y="2746772"/>
-            <a:ext cx="4669151" cy="3427124"/>
-          </a:xfrm>
-          <a:prstGeom prst="rect">
-            <a:avLst/>
-          </a:prstGeom>
+            <a:off x="7142476" y="1776432"/>
+            <a:ext cx="4405886" cy="2296035"/>
+          </a:xfrm>
         </p:spPr>
       </p:pic>
-      <p:pic>
-        <p:nvPicPr>
-          <p:cNvPr id="9" name="Espace réservé du contenu 8"/>
-          <p:cNvPicPr>
-            <a:picLocks noGrp="1" noChangeAspect="1"/>
-          </p:cNvPicPr>
-          <p:nvPr>
-            <p:ph sz="half" idx="1"/>
-          </p:nvPr>
-        </p:nvPicPr>
-        <p:blipFill>
-          <a:blip r:embed="rId3"/>
-          <a:stretch>
-            <a:fillRect/>
-          </a:stretch>
-        </p:blipFill>
-        <p:spPr>
-          <a:xfrm>
-            <a:off x="1205345" y="1846263"/>
-            <a:ext cx="4507534" cy="4022725"/>
-          </a:xfrm>
-          <a:prstGeom prst="rect">
-            <a:avLst/>
-          </a:prstGeom>
-        </p:spPr>
-      </p:pic>
-      <p:sp>
-        <p:nvSpPr>
-          <p:cNvPr id="10" name="ZoneTexte 9"/>
-          <p:cNvSpPr txBox="1"/>
-          <p:nvPr/>
-        </p:nvSpPr>
-        <p:spPr>
-          <a:xfrm>
-            <a:off x="7117773" y="2057400"/>
-            <a:ext cx="3553691" cy="400110"/>
-          </a:xfrm>
-          <a:prstGeom prst="rect">
-            <a:avLst/>
-          </a:prstGeom>
-          <a:noFill/>
-        </p:spPr>
-        <p:txBody>
-          <a:bodyPr wrap="square" rtlCol="0">
-            <a:spAutoFit/>
-          </a:bodyPr>
-          <a:lstStyle/>
-          <a:p>
-            <a:r>
-              <a:rPr lang="fr-FR" sz="2000" dirty="0" smtClean="0"/>
-              <a:t>		Après le  </a:t>
-            </a:r>
-            <a:r>
-              <a:rPr lang="fr-FR" sz="2000" dirty="0" err="1" smtClean="0"/>
-              <a:t>svm</a:t>
-            </a:r>
-            <a:r>
-              <a:rPr lang="fr-FR" sz="2000" dirty="0" smtClean="0"/>
-              <a:t> </a:t>
-            </a:r>
-            <a:r>
-              <a:rPr lang="fr-FR" dirty="0" smtClean="0"/>
-              <a:t>:</a:t>
-            </a:r>
-            <a:endParaRPr lang="en-US" dirty="0"/>
-          </a:p>
-        </p:txBody>
-      </p:sp>
       <p:sp>
         <p:nvSpPr>
           <p:cNvPr id="3" name="Espace réservé du pied de page 2"/>
@@ -6083,10 +6349,77 @@
           </a:p>
         </p:txBody>
       </p:sp>
+      <p:pic>
+        <p:nvPicPr>
+          <p:cNvPr id="9" name="Image 8"/>
+          <p:cNvPicPr>
+            <a:picLocks noChangeAspect="1"/>
+          </p:cNvPicPr>
+          <p:nvPr/>
+        </p:nvPicPr>
+        <p:blipFill>
+          <a:blip r:embed="rId3">
+            <a:extLst>
+              <a:ext uri="{28A0092B-C50C-407E-A947-70E740481C1C}">
+                <a14:useLocalDpi xmlns:a14="http://schemas.microsoft.com/office/drawing/2010/main" val="0"/>
+              </a:ext>
+            </a:extLst>
+          </a:blip>
+          <a:stretch>
+            <a:fillRect/>
+          </a:stretch>
+        </p:blipFill>
+        <p:spPr>
+          <a:xfrm>
+            <a:off x="6929672" y="4116517"/>
+            <a:ext cx="4282811" cy="1835449"/>
+          </a:xfrm>
+          <a:prstGeom prst="rect">
+            <a:avLst/>
+          </a:prstGeom>
+        </p:spPr>
+      </p:pic>
+      <p:sp>
+        <p:nvSpPr>
+          <p:cNvPr id="10" name="ZoneTexte 9"/>
+          <p:cNvSpPr txBox="1"/>
+          <p:nvPr/>
+        </p:nvSpPr>
+        <p:spPr>
+          <a:xfrm>
+            <a:off x="8677025" y="5996016"/>
+            <a:ext cx="2192867" cy="646331"/>
+          </a:xfrm>
+          <a:prstGeom prst="rect">
+            <a:avLst/>
+          </a:prstGeom>
+          <a:noFill/>
+        </p:spPr>
+        <p:txBody>
+          <a:bodyPr wrap="square" rtlCol="0">
+            <a:spAutoFit/>
+          </a:bodyPr>
+          <a:lstStyle/>
+          <a:p>
+            <a:r>
+              <a:rPr lang="fr-FR" dirty="0"/>
+              <a:t>Figure </a:t>
+            </a:r>
+            <a:r>
+              <a:rPr lang="fr-FR" dirty="0" smtClean="0"/>
+              <a:t>7</a:t>
+            </a:r>
+            <a:endParaRPr lang="en-US" dirty="0"/>
+          </a:p>
+          <a:p>
+            <a:endParaRPr lang="en-US" dirty="0"/>
+          </a:p>
+        </p:txBody>
+      </p:sp>
     </p:spTree>
     <p:extLst>
       <p:ext uri="{BB962C8B-B14F-4D97-AF65-F5344CB8AC3E}">
-        <p14:creationId xmlns:p14="http://schemas.microsoft.com/office/powerpoint/2010/main" val="2483277395"/>
+        <p14:creationId xmlns:p14="http://schemas.microsoft.com/office/powerpoint/2010/main" val="4178013007"/>
       </p:ext>
     </p:extLst>
   </p:cSld>
@@ -6130,12 +6463,7 @@
             <p:ph type="title"/>
           </p:nvPr>
         </p:nvSpPr>
-        <p:spPr>
-          <a:xfrm>
-            <a:off x="1005838" y="0"/>
-            <a:ext cx="10058400" cy="1450757"/>
-          </a:xfrm>
-        </p:spPr>
+        <p:spPr/>
         <p:txBody>
           <a:bodyPr/>
           <a:lstStyle/>
@@ -6154,124 +6482,30 @@
           </a:p>
         </p:txBody>
       </p:sp>
-      <p:sp>
-        <p:nvSpPr>
-          <p:cNvPr id="3" name="Espace réservé du contenu 2"/>
-          <p:cNvSpPr>
-            <a:spLocks noGrp="1"/>
-          </p:cNvSpPr>
-          <p:nvPr>
-            <p:ph sz="half" idx="1"/>
-          </p:nvPr>
-        </p:nvSpPr>
-        <p:spPr/>
-        <p:txBody>
-          <a:bodyPr/>
-          <a:lstStyle/>
-          <a:p>
-            <a:pPr>
-              <a:buFont typeface="Wingdings" panose="05000000000000000000" pitchFamily="2" charset="2"/>
-              <a:buChar char="Ø"/>
-            </a:pPr>
-            <a:r>
-              <a:rPr lang="fr-FR" sz="2400" dirty="0" smtClean="0"/>
-              <a:t> Nous </a:t>
-            </a:r>
-            <a:r>
-              <a:rPr lang="fr-FR" sz="2400" dirty="0"/>
-              <a:t>sommes maintenant en trois dimensions, l'hyperplan est un plan parallèle à l' axe </a:t>
-            </a:r>
-            <a:r>
-              <a:rPr lang="fr-FR" sz="2400" i="1" dirty="0"/>
-              <a:t>x</a:t>
-            </a:r>
-            <a:r>
-              <a:rPr lang="fr-FR" sz="2400" dirty="0"/>
-              <a:t> à un certain </a:t>
-            </a:r>
-            <a:r>
-              <a:rPr lang="fr-FR" sz="2400" i="1" dirty="0"/>
-              <a:t>z</a:t>
-            </a:r>
-            <a:r>
-              <a:rPr lang="fr-FR" sz="2400" dirty="0"/>
-              <a:t> (disons </a:t>
-            </a:r>
-            <a:r>
-              <a:rPr lang="fr-FR" sz="2400" i="1" dirty="0"/>
-              <a:t>z = 1</a:t>
-            </a:r>
-            <a:r>
-              <a:rPr lang="fr-FR" sz="2400" dirty="0"/>
-              <a:t> ).</a:t>
-            </a:r>
-          </a:p>
-          <a:p>
-            <a:pPr>
-              <a:buFont typeface="Wingdings" panose="05000000000000000000" pitchFamily="2" charset="2"/>
-              <a:buChar char="Ø"/>
-            </a:pPr>
-            <a:r>
-              <a:rPr lang="fr-FR" sz="2400" dirty="0" smtClean="0"/>
-              <a:t> On mappe</a:t>
-            </a:r>
-            <a:r>
-              <a:rPr lang="fr-FR" sz="2400" dirty="0"/>
-              <a:t> l'hyperplan</a:t>
-            </a:r>
-            <a:r>
-              <a:rPr lang="fr-FR" sz="2400" dirty="0" smtClean="0"/>
-              <a:t> </a:t>
-            </a:r>
-            <a:r>
-              <a:rPr lang="fr-FR" sz="2400" dirty="0"/>
-              <a:t>à deux dimensions:</a:t>
-            </a:r>
-          </a:p>
-          <a:p>
-            <a:pPr>
-              <a:buFont typeface="Wingdings" panose="05000000000000000000" pitchFamily="2" charset="2"/>
-              <a:buChar char="Ø"/>
-            </a:pPr>
-            <a:r>
-              <a:rPr lang="fr-FR" sz="2400" dirty="0" smtClean="0"/>
-              <a:t> Notre </a:t>
-            </a:r>
-            <a:r>
-              <a:rPr lang="fr-FR" sz="2400" dirty="0"/>
-              <a:t>limite de décision est une circonférence de rayon 1, qui sépare les deux balises en utilisant SVM.</a:t>
-            </a:r>
-            <a:endParaRPr lang="en-US" sz="2400" dirty="0"/>
-          </a:p>
-        </p:txBody>
-      </p:sp>
       <p:pic>
         <p:nvPicPr>
-          <p:cNvPr id="5" name="Espace réservé du contenu 4"/>
+          <p:cNvPr id="8" name="Espace réservé du contenu 7"/>
           <p:cNvPicPr>
             <a:picLocks noGrp="1" noChangeAspect="1"/>
           </p:cNvPicPr>
           <p:nvPr>
-            <p:ph sz="half" idx="2"/>
+            <p:ph idx="1"/>
           </p:nvPr>
         </p:nvPicPr>
         <p:blipFill>
-          <a:blip r:embed="rId2">
-            <a:extLst>
-              <a:ext uri="{28A0092B-C50C-407E-A947-70E740481C1C}">
-                <a14:useLocalDpi xmlns:a14="http://schemas.microsoft.com/office/drawing/2010/main" val="0"/>
-              </a:ext>
-            </a:extLst>
-          </a:blip>
+          <a:blip r:embed="rId2"/>
           <a:stretch>
             <a:fillRect/>
           </a:stretch>
         </p:blipFill>
         <p:spPr>
           <a:xfrm>
-            <a:off x="6519792" y="1910141"/>
-            <a:ext cx="4635888" cy="3720100"/>
-          </a:xfrm>
+            <a:off x="1378371" y="2590799"/>
+            <a:ext cx="9348896" cy="3200401"/>
+          </a:xfrm>
+          <a:prstGeom prst="rect">
+            <a:avLst/>
+          </a:prstGeom>
         </p:spPr>
       </p:pic>
       <p:sp>
@@ -6313,6 +6547,70 @@
               <a:t>6</a:t>
             </a:fld>
             <a:endParaRPr lang="en-US"/>
+          </a:p>
+        </p:txBody>
+      </p:sp>
+      <p:sp>
+        <p:nvSpPr>
+          <p:cNvPr id="9" name="Rectangle 8"/>
+          <p:cNvSpPr/>
+          <p:nvPr/>
+        </p:nvSpPr>
+        <p:spPr>
+          <a:xfrm>
+            <a:off x="1276771" y="1948313"/>
+            <a:ext cx="10051629" cy="369332"/>
+          </a:xfrm>
+          <a:prstGeom prst="rect">
+            <a:avLst/>
+          </a:prstGeom>
+        </p:spPr>
+        <p:txBody>
+          <a:bodyPr wrap="square">
+            <a:spAutoFit/>
+          </a:bodyPr>
+          <a:lstStyle/>
+          <a:p>
+            <a:r>
+              <a:rPr lang="fr-FR" dirty="0">
+                <a:solidFill>
+                  <a:srgbClr val="000000"/>
+                </a:solidFill>
+                <a:latin typeface="Metropolis"/>
+              </a:rPr>
+              <a:t>Le jeu de données projeté est maintenant séparable comme le montre l’image suivante</a:t>
+            </a:r>
+            <a:endParaRPr lang="en-US" dirty="0"/>
+          </a:p>
+        </p:txBody>
+      </p:sp>
+      <p:sp>
+        <p:nvSpPr>
+          <p:cNvPr id="10" name="ZoneTexte 9"/>
+          <p:cNvSpPr txBox="1"/>
+          <p:nvPr/>
+        </p:nvSpPr>
+        <p:spPr>
+          <a:xfrm>
+            <a:off x="5698068" y="5791200"/>
+            <a:ext cx="1447800" cy="369332"/>
+          </a:xfrm>
+          <a:prstGeom prst="rect">
+            <a:avLst/>
+          </a:prstGeom>
+          <a:noFill/>
+        </p:spPr>
+        <p:txBody>
+          <a:bodyPr wrap="square" rtlCol="0">
+            <a:spAutoFit/>
+          </a:bodyPr>
+          <a:lstStyle/>
+          <a:p>
+            <a:r>
+              <a:rPr lang="fr-FR" dirty="0"/>
+              <a:t>Figure 8</a:t>
+            </a:r>
+            <a:endParaRPr lang="en-US" dirty="0"/>
           </a:p>
         </p:txBody>
       </p:sp>
@@ -6326,6 +6624,13 @@
   <p:clrMapOvr>
     <a:masterClrMapping/>
   </p:clrMapOvr>
+  <p:timing>
+    <p:tnLst>
+      <p:par>
+        <p:cTn id="1" dur="indefinite" restart="never" nodeType="tmRoot"/>
+      </p:par>
+    </p:tnLst>
+  </p:timing>
 </p:sld>
 </file>
 
@@ -6356,12 +6661,7 @@
             <p:ph type="title"/>
           </p:nvPr>
         </p:nvSpPr>
-        <p:spPr>
-          <a:xfrm>
-            <a:off x="1097280" y="528033"/>
-            <a:ext cx="10058400" cy="822960"/>
-          </a:xfrm>
-        </p:spPr>
+        <p:spPr/>
         <p:txBody>
           <a:bodyPr/>
           <a:lstStyle/>
@@ -6392,148 +6692,162 @@
       </p:sp>
       <p:sp>
         <p:nvSpPr>
-          <p:cNvPr id="5" name="Espace réservé du contenu 4"/>
-          <p:cNvSpPr>
-            <a:spLocks noGrp="1"/>
-          </p:cNvSpPr>
-          <p:nvPr>
-            <p:ph idx="1"/>
+          <p:cNvPr id="3" name="Espace réservé du contenu 2"/>
+          <p:cNvSpPr>
+            <a:spLocks noGrp="1"/>
+          </p:cNvSpPr>
+          <p:nvPr>
+            <p:ph sz="half" idx="1"/>
           </p:nvPr>
         </p:nvSpPr>
         <p:spPr/>
         <p:txBody>
-          <a:bodyPr>
-            <a:normAutofit/>
-          </a:bodyPr>
-          <a:lstStyle/>
-          <a:p>
-            <a:r>
-              <a:rPr lang="en-US" sz="2400" b="1" i="1" dirty="0"/>
-              <a:t>Kernel </a:t>
-            </a:r>
-            <a:r>
-              <a:rPr lang="en-US" sz="2400" b="1" i="1" dirty="0" smtClean="0"/>
-              <a:t>PCA </a:t>
-            </a:r>
-            <a:r>
-              <a:rPr lang="en-US" sz="2400" i="1" dirty="0" err="1" smtClean="0"/>
-              <a:t>est</a:t>
-            </a:r>
-            <a:r>
-              <a:rPr lang="en-US" sz="2400" i="1" dirty="0" smtClean="0"/>
-              <a:t> </a:t>
-            </a:r>
-            <a:r>
-              <a:rPr lang="fr-FR" sz="2400" dirty="0" smtClean="0"/>
-              <a:t>une </a:t>
-            </a:r>
-            <a:r>
-              <a:rPr lang="fr-FR" sz="2400" dirty="0"/>
-              <a:t>nouvelle technique d’extraction de fonctionnalités </a:t>
-            </a:r>
-            <a:r>
-              <a:rPr lang="fr-FR" sz="2400" dirty="0" smtClean="0"/>
-              <a:t> adaptée </a:t>
-            </a:r>
-            <a:r>
-              <a:rPr lang="fr-FR" sz="2400" dirty="0"/>
-              <a:t>aux </a:t>
-            </a:r>
-            <a:r>
-              <a:rPr lang="fr-FR" sz="2400" b="1" i="1" dirty="0"/>
-              <a:t>problèmes non linéaires</a:t>
-            </a:r>
-            <a:r>
-              <a:rPr lang="fr-FR" sz="2400" b="1" dirty="0"/>
-              <a:t> </a:t>
-            </a:r>
-            <a:r>
-              <a:rPr lang="fr-FR" sz="2400" dirty="0" smtClean="0"/>
-              <a:t>où les </a:t>
-            </a:r>
-            <a:r>
-              <a:rPr lang="fr-FR" sz="2400" dirty="0"/>
-              <a:t>données ne sont </a:t>
-            </a:r>
-            <a:r>
-              <a:rPr lang="fr-FR" sz="2400" b="1" i="1" dirty="0"/>
-              <a:t>pas séparables linéairement.</a:t>
-            </a:r>
-            <a:r>
-              <a:rPr lang="fr-FR" sz="2400" dirty="0"/>
-              <a:t> </a:t>
-            </a:r>
-            <a:endParaRPr lang="fr-FR" sz="2400" dirty="0" smtClean="0"/>
-          </a:p>
-          <a:p>
-            <a:r>
-              <a:rPr lang="fr-FR" sz="2400" b="1" i="1" dirty="0" err="1"/>
-              <a:t>Kernel</a:t>
-            </a:r>
-            <a:r>
-              <a:rPr lang="fr-FR" sz="2400" b="1" i="1" dirty="0"/>
-              <a:t> PCA</a:t>
-            </a:r>
-            <a:r>
-              <a:rPr lang="fr-FR" sz="2400" b="1" dirty="0"/>
-              <a:t> </a:t>
-            </a:r>
-            <a:r>
-              <a:rPr lang="fr-FR" sz="2400" dirty="0"/>
-              <a:t>utilise une fonction </a:t>
-            </a:r>
-            <a:r>
-              <a:rPr lang="fr-FR" sz="2400" dirty="0" err="1"/>
-              <a:t>kernel</a:t>
-            </a:r>
-            <a:r>
-              <a:rPr lang="fr-FR" sz="2400" dirty="0"/>
-              <a:t> pour projeter le jeu de données dans un espace d’entités de dimension supérieure, où il est séparable linéairement. C’est similaire à l’idée de </a:t>
-            </a:r>
-            <a:r>
-              <a:rPr lang="fr-FR" sz="2400" b="1" i="1" dirty="0"/>
-              <a:t>Support </a:t>
-            </a:r>
-            <a:r>
-              <a:rPr lang="fr-FR" sz="2400" b="1" i="1" dirty="0" err="1"/>
-              <a:t>Vector</a:t>
-            </a:r>
-            <a:r>
-              <a:rPr lang="fr-FR" sz="2400" b="1" i="1" dirty="0"/>
-              <a:t> Machines</a:t>
-            </a:r>
-            <a:r>
-              <a:rPr lang="fr-FR" sz="2400" dirty="0"/>
-              <a:t>.*</a:t>
-            </a:r>
-            <a:endParaRPr lang="en-US" sz="2400" dirty="0"/>
+          <a:bodyPr/>
+          <a:lstStyle/>
+          <a:p>
+            <a:pPr>
+              <a:buFont typeface="Wingdings" panose="05000000000000000000" pitchFamily="2" charset="2"/>
+              <a:buChar char="q"/>
+            </a:pPr>
+            <a:r>
+              <a:rPr lang="fr-FR" dirty="0" smtClean="0"/>
+              <a:t> Analyse </a:t>
+            </a:r>
+            <a:r>
+              <a:rPr lang="fr-FR" dirty="0"/>
+              <a:t>en composantes principales du noyau (KPCA) est une technique de réduction de dimensionnalité non linéaire</a:t>
+            </a:r>
+            <a:r>
+              <a:rPr lang="fr-FR" dirty="0" smtClean="0"/>
+              <a:t>.</a:t>
+            </a:r>
+          </a:p>
+          <a:p>
+            <a:pPr>
+              <a:buFont typeface="Wingdings" panose="05000000000000000000" pitchFamily="2" charset="2"/>
+              <a:buChar char="q"/>
+            </a:pPr>
+            <a:r>
+              <a:rPr lang="fr-FR" dirty="0" smtClean="0"/>
+              <a:t>  </a:t>
+            </a:r>
+            <a:r>
+              <a:rPr lang="fr-FR" dirty="0"/>
+              <a:t>Il s’agit d’une extension de l’analyse en composantes principales (PCA) - qui est une technique de réduction de la dimensionnalité linéaire - utilisant des méthodes de noyau</a:t>
+            </a:r>
+            <a:r>
+              <a:rPr lang="fr-FR" dirty="0" smtClean="0"/>
+              <a:t>.</a:t>
+            </a:r>
+          </a:p>
+          <a:p>
+            <a:pPr>
+              <a:buFont typeface="Wingdings" panose="05000000000000000000" pitchFamily="2" charset="2"/>
+              <a:buChar char="q"/>
+            </a:pPr>
+            <a:r>
+              <a:rPr lang="fr-FR" dirty="0" smtClean="0"/>
+              <a:t> Dans </a:t>
+            </a:r>
+            <a:r>
+              <a:rPr lang="fr-FR" dirty="0"/>
+              <a:t>la figure </a:t>
+            </a:r>
+            <a:r>
+              <a:rPr lang="fr-FR" dirty="0" smtClean="0"/>
+              <a:t>9, PCA </a:t>
+            </a:r>
+            <a:r>
+              <a:rPr lang="fr-FR" dirty="0"/>
+              <a:t>recherchera la surface qui traversera les données en forme de S avec une erreur de reconstruction minimale, mais quelle que soit la surface que nous choisissons, il y aura une certaine perte d’informations</a:t>
+            </a:r>
+            <a:endParaRPr lang="en-US" dirty="0"/>
+          </a:p>
+        </p:txBody>
+      </p:sp>
+      <p:sp>
+        <p:nvSpPr>
+          <p:cNvPr id="4" name="Espace réservé du contenu 3"/>
+          <p:cNvSpPr>
+            <a:spLocks noGrp="1"/>
+          </p:cNvSpPr>
+          <p:nvPr>
+            <p:ph sz="half" idx="2"/>
+          </p:nvPr>
+        </p:nvSpPr>
+        <p:spPr/>
+        <p:txBody>
+          <a:bodyPr/>
+          <a:lstStyle/>
+          <a:p>
+            <a:r>
+              <a:rPr lang="fr-FR" dirty="0" smtClean="0"/>
+              <a:t>.</a:t>
+            </a:r>
+            <a:endParaRPr lang="en-US" dirty="0"/>
+          </a:p>
+        </p:txBody>
+      </p:sp>
+      <p:sp>
+        <p:nvSpPr>
+          <p:cNvPr id="5" name="Espace réservé du pied de page 4"/>
+          <p:cNvSpPr>
+            <a:spLocks noGrp="1"/>
+          </p:cNvSpPr>
+          <p:nvPr>
+            <p:ph type="ftr" sz="quarter" idx="11"/>
+          </p:nvPr>
+        </p:nvSpPr>
+        <p:spPr/>
+        <p:txBody>
+          <a:bodyPr/>
+          <a:lstStyle/>
+          <a:p>
+            <a:endParaRPr lang="en-US"/>
+          </a:p>
+        </p:txBody>
+      </p:sp>
+      <p:sp>
+        <p:nvSpPr>
+          <p:cNvPr id="6" name="Espace réservé du numéro de diapositive 5"/>
+          <p:cNvSpPr>
+            <a:spLocks noGrp="1"/>
+          </p:cNvSpPr>
+          <p:nvPr>
+            <p:ph type="sldNum" sz="quarter" idx="12"/>
+          </p:nvPr>
+        </p:nvSpPr>
+        <p:spPr/>
+        <p:txBody>
+          <a:bodyPr/>
+          <a:lstStyle/>
+          <a:p>
+            <a:fld id="{2B522879-D5EA-4998-A890-48DBABBB57DE}" type="slidenum">
+              <a:rPr lang="en-US" smtClean="0"/>
+              <a:t>7</a:t>
+            </a:fld>
+            <a:endParaRPr lang="en-US"/>
           </a:p>
         </p:txBody>
       </p:sp>
       <p:pic>
         <p:nvPicPr>
-          <p:cNvPr id="6" name="Image 5"/>
+          <p:cNvPr id="7" name="Image 6"/>
           <p:cNvPicPr>
             <a:picLocks noChangeAspect="1"/>
           </p:cNvPicPr>
           <p:nvPr/>
         </p:nvPicPr>
         <p:blipFill>
-          <a:blip r:embed="rId2">
-            <a:extLst>
-              <a:ext uri="{28A0092B-C50C-407E-A947-70E740481C1C}">
-                <a14:useLocalDpi xmlns:a14="http://schemas.microsoft.com/office/drawing/2010/main" val="0"/>
-              </a:ext>
-            </a:extLst>
-          </a:blip>
+          <a:blip r:embed="rId2"/>
           <a:stretch>
             <a:fillRect/>
           </a:stretch>
         </p:blipFill>
         <p:spPr>
           <a:xfrm>
-            <a:off x="2102430" y="4110202"/>
-            <a:ext cx="7902625" cy="1999654"/>
+            <a:off x="6705600" y="1863465"/>
+            <a:ext cx="4810762" cy="3894950"/>
           </a:xfrm>
           <a:prstGeom prst="rect">
             <a:avLst/>
@@ -6542,50 +6856,38 @@
       </p:pic>
       <p:sp>
         <p:nvSpPr>
-          <p:cNvPr id="7" name="Espace réservé du pied de page 6"/>
-          <p:cNvSpPr>
-            <a:spLocks noGrp="1"/>
-          </p:cNvSpPr>
-          <p:nvPr>
-            <p:ph type="ftr" sz="quarter" idx="11"/>
-          </p:nvPr>
-        </p:nvSpPr>
-        <p:spPr/>
-        <p:txBody>
-          <a:bodyPr/>
-          <a:lstStyle/>
-          <a:p>
-            <a:endParaRPr lang="en-US"/>
-          </a:p>
-        </p:txBody>
-      </p:sp>
-      <p:sp>
-        <p:nvSpPr>
-          <p:cNvPr id="8" name="Espace réservé du numéro de diapositive 7"/>
-          <p:cNvSpPr>
-            <a:spLocks noGrp="1"/>
-          </p:cNvSpPr>
-          <p:nvPr>
-            <p:ph type="sldNum" sz="quarter" idx="12"/>
-          </p:nvPr>
-        </p:nvSpPr>
-        <p:spPr/>
-        <p:txBody>
-          <a:bodyPr/>
-          <a:lstStyle/>
-          <a:p>
-            <a:fld id="{2B522879-D5EA-4998-A890-48DBABBB57DE}" type="slidenum">
-              <a:rPr lang="en-US" smtClean="0"/>
-              <a:t>7</a:t>
-            </a:fld>
-            <a:endParaRPr lang="en-US"/>
+          <p:cNvPr id="8" name="ZoneTexte 7"/>
+          <p:cNvSpPr txBox="1"/>
+          <p:nvPr/>
+        </p:nvSpPr>
+        <p:spPr>
+          <a:xfrm>
+            <a:off x="8550024" y="5879255"/>
+            <a:ext cx="2700867" cy="369332"/>
+          </a:xfrm>
+          <a:prstGeom prst="rect">
+            <a:avLst/>
+          </a:prstGeom>
+          <a:noFill/>
+        </p:spPr>
+        <p:txBody>
+          <a:bodyPr wrap="square" rtlCol="0">
+            <a:spAutoFit/>
+          </a:bodyPr>
+          <a:lstStyle/>
+          <a:p>
+            <a:r>
+              <a:rPr lang="fr-FR" dirty="0"/>
+              <a:t>Figure 9</a:t>
+            </a:r>
+            <a:endParaRPr lang="en-US" dirty="0"/>
           </a:p>
         </p:txBody>
       </p:sp>
     </p:spTree>
     <p:extLst>
       <p:ext uri="{BB962C8B-B14F-4D97-AF65-F5344CB8AC3E}">
-        <p14:creationId xmlns:p14="http://schemas.microsoft.com/office/powerpoint/2010/main" val="3277524134"/>
+        <p14:creationId xmlns:p14="http://schemas.microsoft.com/office/powerpoint/2010/main" val="3849754168"/>
       </p:ext>
     </p:extLst>
   </p:cSld>
@@ -6614,7 +6916,7 @@
       </p:grpSpPr>
       <p:sp>
         <p:nvSpPr>
-          <p:cNvPr id="4" name="Titre 3"/>
+          <p:cNvPr id="8" name="Titre 7"/>
           <p:cNvSpPr>
             <a:spLocks noGrp="1"/>
           </p:cNvSpPr>
@@ -6635,7 +6937,27 @@
                   </a:schemeClr>
                 </a:solidFill>
               </a:rPr>
-              <a:t>	Kernel Principal Component Analysis</a:t>
+              <a:t> </a:t>
+            </a:r>
+            <a:r>
+              <a:rPr lang="en-US" b="1" dirty="0" smtClean="0">
+                <a:solidFill>
+                  <a:schemeClr val="tx2">
+                    <a:lumMod val="75000"/>
+                  </a:schemeClr>
+                </a:solidFill>
+              </a:rPr>
+              <a:t>    Kernel </a:t>
+            </a:r>
+            <a:r>
+              <a:rPr lang="en-US" b="1" dirty="0">
+                <a:solidFill>
+                  <a:schemeClr val="tx2">
+                    <a:lumMod val="75000"/>
+                  </a:schemeClr>
+                </a:solidFill>
+              </a:rPr>
+              <a:t>Principal Component Analysis</a:t>
             </a:r>
             <a:endParaRPr lang="en-US" dirty="0"/>
           </a:p>
@@ -6643,7 +6965,7 @@
       </p:sp>
       <p:sp>
         <p:nvSpPr>
-          <p:cNvPr id="5" name="Espace réservé du contenu 4"/>
+          <p:cNvPr id="3" name="Espace réservé du contenu 2"/>
           <p:cNvSpPr>
             <a:spLocks noGrp="1"/>
           </p:cNvSpPr>
@@ -6653,46 +6975,65 @@
         </p:nvSpPr>
         <p:spPr>
           <a:xfrm>
-            <a:off x="1097280" y="2255520"/>
-            <a:ext cx="10058400" cy="2973494"/>
+            <a:off x="1004147" y="2328333"/>
+            <a:ext cx="10058400" cy="2871894"/>
           </a:xfrm>
         </p:spPr>
         <p:txBody>
           <a:bodyPr>
-            <a:normAutofit/>
+            <a:normAutofit lnSpcReduction="10000"/>
           </a:bodyPr>
           <a:lstStyle/>
           <a:p>
+            <a:pPr>
+              <a:buFont typeface="Wingdings" panose="05000000000000000000" pitchFamily="2" charset="2"/>
+              <a:buChar char="q"/>
+            </a:pPr>
+            <a:r>
+              <a:rPr lang="fr-FR" dirty="0" smtClean="0"/>
+              <a:t> </a:t>
+            </a:r>
+            <a:r>
+              <a:rPr lang="fr-FR" sz="2400" dirty="0" smtClean="0"/>
+              <a:t>L’idée </a:t>
+            </a:r>
             <a:r>
               <a:rPr lang="fr-FR" sz="2400" dirty="0"/>
-              <a:t>PCA (en tant que technique de réduction de la dimensionnalité) tente de trouver un sous-espace linéaire de faible dimension dans lequel les données sont confinées. Mais il se peut que les données soient confinées à un sous-espace </a:t>
-            </a:r>
-            <a:r>
-              <a:rPr lang="fr-FR" sz="2400" i="1" dirty="0"/>
-              <a:t>non linéaire de</a:t>
+              <a:t>de KPCA repose sur l’intuition que de nombreux ensembles de données, qui ne sont pas séparables linéairement dans leur espace, peuvent être rendus séparables linéairement en les projetant dans un espace de dimension supérieure</a:t>
+            </a:r>
+            <a:r>
+              <a:rPr lang="fr-FR" sz="2400" dirty="0" smtClean="0"/>
+              <a:t>.</a:t>
+            </a:r>
+          </a:p>
+          <a:p>
+            <a:pPr>
+              <a:buFont typeface="Wingdings" panose="05000000000000000000" pitchFamily="2" charset="2"/>
+              <a:buChar char="q"/>
+            </a:pPr>
+            <a:r>
+              <a:rPr lang="fr-FR" sz="2400" dirty="0" smtClean="0"/>
+              <a:t> La </a:t>
             </a:r>
             <a:r>
               <a:rPr lang="fr-FR" sz="2400" dirty="0"/>
-              <a:t> faible dimension. Que se </a:t>
-            </a:r>
-            <a:r>
-              <a:rPr lang="fr-FR" sz="2400" dirty="0" err="1"/>
-              <a:t>passera-t-il</a:t>
+              <a:t>technique KPCA est une méthode basée sur les noyaux et ses performances dépendent alors grandement du choix de la fonction noyau k. Les noyaux </a:t>
+            </a:r>
+            <a:r>
+              <a:rPr lang="fr-FR" sz="2400" dirty="0" smtClean="0"/>
+              <a:t>classiquement </a:t>
             </a:r>
             <a:r>
               <a:rPr lang="fr-FR" sz="2400" dirty="0"/>
-              <a:t> alors?</a:t>
-            </a:r>
-            <a:endParaRPr lang="en-US" sz="2800" b="1" dirty="0"/>
-          </a:p>
-          <a:p>
-            <a:endParaRPr lang="en-US" sz="1800" dirty="0"/>
-          </a:p>
-        </p:txBody>
-      </p:sp>
-      <p:sp>
-        <p:nvSpPr>
-          <p:cNvPr id="9" name="Espace réservé du pied de page 8"/>
+              <a:t>utilisés sont le noyau linéaire (cela revient alors à effectuer une AC classique), le noyau polynomial ou encore le noyau gaussien</a:t>
+            </a:r>
+            <a:endParaRPr lang="en-US" sz="2400" dirty="0"/>
+          </a:p>
+        </p:txBody>
+      </p:sp>
+      <p:sp>
+        <p:nvSpPr>
+          <p:cNvPr id="5" name="Espace réservé du pied de page 4"/>
           <p:cNvSpPr>
             <a:spLocks noGrp="1"/>
           </p:cNvSpPr>
@@ -6711,7 +7052,7 @@
       </p:sp>
       <p:sp>
         <p:nvSpPr>
-          <p:cNvPr id="10" name="Espace réservé du numéro de diapositive 9"/>
+          <p:cNvPr id="6" name="Espace réservé du numéro de diapositive 5"/>
           <p:cNvSpPr>
             <a:spLocks noGrp="1"/>
           </p:cNvSpPr>
@@ -6735,7 +7076,7 @@
     </p:spTree>
     <p:extLst>
       <p:ext uri="{BB962C8B-B14F-4D97-AF65-F5344CB8AC3E}">
-        <p14:creationId xmlns:p14="http://schemas.microsoft.com/office/powerpoint/2010/main" val="2556330520"/>
+        <p14:creationId xmlns:p14="http://schemas.microsoft.com/office/powerpoint/2010/main" val="2310374219"/>
       </p:ext>
     </p:extLst>
   </p:cSld>
@@ -6764,7 +7105,7 @@
       </p:grpSpPr>
       <p:sp>
         <p:nvSpPr>
-          <p:cNvPr id="4" name="Titre 3"/>
+          <p:cNvPr id="2" name="Titre 1"/>
           <p:cNvSpPr>
             <a:spLocks noGrp="1"/>
           </p:cNvSpPr>
@@ -6774,7 +7115,7 @@
         </p:nvSpPr>
         <p:spPr>
           <a:xfrm>
-            <a:off x="1097278" y="134203"/>
+            <a:off x="868680" y="227337"/>
             <a:ext cx="10058400" cy="1450757"/>
           </a:xfrm>
         </p:spPr>
@@ -6783,14 +7124,24 @@
           <a:lstStyle/>
           <a:p>
             <a:r>
-              <a:rPr lang="en-US" b="1" dirty="0">
+              <a:rPr lang="en-US" b="1" dirty="0" smtClean="0">
                 <a:solidFill>
                   <a:schemeClr val="tx2">
                     <a:lumMod val="75000"/>
                   </a:schemeClr>
                 </a:solidFill>
               </a:rPr>
-              <a:t>	Kernel Principal Component Analysis</a:t>
+              <a:t>	Kernel </a:t>
+            </a:r>
+            <a:r>
+              <a:rPr lang="en-US" b="1" dirty="0">
+                <a:solidFill>
+                  <a:schemeClr val="tx2">
+                    <a:lumMod val="75000"/>
+                  </a:schemeClr>
+                </a:solidFill>
+              </a:rPr>
+              <a:t>Principal Component Analysis</a:t>
             </a:r>
             <a:endParaRPr lang="en-US" dirty="0"/>
           </a:p>
@@ -6798,12 +7149,82 @@
       </p:sp>
       <p:sp>
         <p:nvSpPr>
-          <p:cNvPr id="5" name="Espace réservé du contenu 4"/>
-          <p:cNvSpPr>
-            <a:spLocks noGrp="1"/>
-          </p:cNvSpPr>
-          <p:nvPr>
-            <p:ph sz="half" idx="1"/>
+          <p:cNvPr id="3" name="Espace réservé du contenu 2"/>
+          <p:cNvSpPr>
+            <a:spLocks noGrp="1"/>
+          </p:cNvSpPr>
+          <p:nvPr>
+            <p:ph idx="1"/>
+          </p:nvPr>
+        </p:nvSpPr>
+        <p:spPr>
+          <a:xfrm>
+            <a:off x="1097280" y="2819400"/>
+            <a:ext cx="10058400" cy="3049694"/>
+          </a:xfrm>
+        </p:spPr>
+        <p:txBody>
+          <a:bodyPr/>
+          <a:lstStyle/>
+          <a:p>
+            <a:pPr>
+              <a:buFont typeface="Wingdings" panose="05000000000000000000" pitchFamily="2" charset="2"/>
+              <a:buChar char="q"/>
+            </a:pPr>
+            <a:r>
+              <a:rPr lang="fr-FR" dirty="0" smtClean="0"/>
+              <a:t> </a:t>
+            </a:r>
+            <a:r>
+              <a:rPr lang="fr-FR" sz="2400" dirty="0" smtClean="0"/>
+              <a:t>L’Analyse </a:t>
+            </a:r>
+            <a:r>
+              <a:rPr lang="fr-FR" sz="2400" dirty="0"/>
+              <a:t>en Composantes Principales à Noyaux a été appliquée avec succès à plusieurs problèmes comme la reconnaissance de la parole </a:t>
+            </a:r>
+            <a:r>
+              <a:rPr lang="fr-FR" sz="2400" dirty="0" smtClean="0"/>
+              <a:t> </a:t>
+            </a:r>
+            <a:r>
+              <a:rPr lang="fr-FR" sz="2400" dirty="0"/>
+              <a:t>ou la détection de nouveaux éléments d’un ensemble </a:t>
+            </a:r>
+            <a:r>
+              <a:rPr lang="fr-FR" sz="2400" dirty="0" smtClean="0"/>
+              <a:t>.</a:t>
+            </a:r>
+          </a:p>
+          <a:p>
+            <a:pPr>
+              <a:buFont typeface="Wingdings" panose="05000000000000000000" pitchFamily="2" charset="2"/>
+              <a:buChar char="q"/>
+            </a:pPr>
+            <a:r>
+              <a:rPr lang="fr-FR" sz="2400" dirty="0" smtClean="0"/>
+              <a:t> </a:t>
+            </a:r>
+            <a:r>
+              <a:rPr lang="fr-FR" sz="2400" dirty="0"/>
+              <a:t>Un gros défaut de l’Analyse en Composantes Principales à noyaux est que la taille de la matrice de noyaux est le carré du nombre d’échantillons de l’ensemble d’apprentissage ce qui peut rapidement être prohibitif</a:t>
+            </a:r>
+            <a:r>
+              <a:rPr lang="fr-FR" dirty="0"/>
+              <a:t>. </a:t>
+            </a:r>
+            <a:endParaRPr lang="en-US" dirty="0"/>
+          </a:p>
+        </p:txBody>
+      </p:sp>
+      <p:sp>
+        <p:nvSpPr>
+          <p:cNvPr id="4" name="Espace réservé du pied de page 3"/>
+          <p:cNvSpPr>
+            <a:spLocks noGrp="1"/>
+          </p:cNvSpPr>
+          <p:nvPr>
+            <p:ph type="ftr" sz="quarter" idx="11"/>
           </p:nvPr>
         </p:nvSpPr>
         <p:spPr/>
@@ -6811,88 +7232,13 @@
           <a:bodyPr/>
           <a:lstStyle/>
           <a:p>
-            <a:r>
-              <a:rPr lang="fr-FR" dirty="0"/>
-              <a:t>Les points de données ici (à gauche) sont situés principalement le long d’une courbe en 2D. PCA ne peut pas réduire la dimensionnalité de deux à un, car les points ne sont pas situés le long d’une ligne droite. Mais encore, les données sont « évidemment » situées autour d’une courbe unidimensionnelle non linéaire. Donc, alors que PCA échoue, il doit y avoir un autre moyen! Et en effet, </a:t>
-            </a:r>
-            <a:r>
-              <a:rPr lang="fr-FR" b="1" dirty="0" err="1" smtClean="0">
-                <a:solidFill>
-                  <a:srgbClr val="FF0000"/>
-                </a:solidFill>
-              </a:rPr>
-              <a:t>kernel</a:t>
-            </a:r>
-            <a:r>
-              <a:rPr lang="fr-FR" b="1" dirty="0" smtClean="0">
-                <a:solidFill>
-                  <a:srgbClr val="FF0000"/>
-                </a:solidFill>
-              </a:rPr>
-              <a:t> PCA </a:t>
-            </a:r>
-            <a:r>
-              <a:rPr lang="fr-FR" dirty="0"/>
-              <a:t>peut trouver cette variété non linéaire et découvrir que les données sont en fait presque unidimensionnelles.</a:t>
-            </a:r>
-            <a:endParaRPr lang="en-US" dirty="0"/>
-          </a:p>
-        </p:txBody>
-      </p:sp>
-      <p:pic>
-        <p:nvPicPr>
-          <p:cNvPr id="7" name="Espace réservé du contenu 6"/>
-          <p:cNvPicPr>
-            <a:picLocks noGrp="1" noChangeAspect="1"/>
-          </p:cNvPicPr>
-          <p:nvPr>
-            <p:ph sz="half" idx="2"/>
-          </p:nvPr>
-        </p:nvPicPr>
-        <p:blipFill>
-          <a:blip r:embed="rId2">
-            <a:extLst>
-              <a:ext uri="{28A0092B-C50C-407E-A947-70E740481C1C}">
-                <a14:useLocalDpi xmlns:a14="http://schemas.microsoft.com/office/drawing/2010/main" val="0"/>
-              </a:ext>
-            </a:extLst>
-          </a:blip>
-          <a:stretch>
-            <a:fillRect/>
-          </a:stretch>
-        </p:blipFill>
-        <p:spPr>
-          <a:xfrm>
-            <a:off x="6218238" y="1845734"/>
-            <a:ext cx="5120322" cy="3803226"/>
-          </a:xfrm>
-          <a:prstGeom prst="rect">
-            <a:avLst/>
-          </a:prstGeom>
-        </p:spPr>
-      </p:pic>
-      <p:sp>
-        <p:nvSpPr>
-          <p:cNvPr id="8" name="Espace réservé du pied de page 7"/>
-          <p:cNvSpPr>
-            <a:spLocks noGrp="1"/>
-          </p:cNvSpPr>
-          <p:nvPr>
-            <p:ph type="ftr" sz="quarter" idx="11"/>
-          </p:nvPr>
-        </p:nvSpPr>
-        <p:spPr/>
-        <p:txBody>
-          <a:bodyPr/>
-          <a:lstStyle/>
-          <a:p>
             <a:endParaRPr lang="en-US"/>
           </a:p>
         </p:txBody>
       </p:sp>
       <p:sp>
         <p:nvSpPr>
-          <p:cNvPr id="9" name="Espace réservé du numéro de diapositive 8"/>
+          <p:cNvPr id="5" name="Espace réservé du numéro de diapositive 4"/>
           <p:cNvSpPr>
             <a:spLocks noGrp="1"/>
           </p:cNvSpPr>
@@ -6916,7 +7262,7 @@
     </p:spTree>
     <p:extLst>
       <p:ext uri="{BB962C8B-B14F-4D97-AF65-F5344CB8AC3E}">
-        <p14:creationId xmlns:p14="http://schemas.microsoft.com/office/powerpoint/2010/main" val="4207366353"/>
+        <p14:creationId xmlns:p14="http://schemas.microsoft.com/office/powerpoint/2010/main" val="1911261314"/>
       </p:ext>
     </p:extLst>
   </p:cSld>
